--- a/RTK Query.pptx
+++ b/RTK Query.pptx
@@ -5,7 +5,7 @@
     <p:sldMasterId id="2147483683" r:id="rId5"/>
   </p:sldMasterIdLst>
   <p:notesMasterIdLst>
-    <p:notesMasterId r:id="rId22"/>
+    <p:notesMasterId r:id="rId28"/>
   </p:notesMasterIdLst>
   <p:sldIdLst>
     <p:sldId id="524" r:id="rId6"/>
@@ -19,11 +19,17 @@
     <p:sldId id="607" r:id="rId14"/>
     <p:sldId id="757" r:id="rId15"/>
     <p:sldId id="789" r:id="rId16"/>
-    <p:sldId id="794" r:id="rId17"/>
-    <p:sldId id="770" r:id="rId18"/>
-    <p:sldId id="795" r:id="rId19"/>
-    <p:sldId id="793" r:id="rId20"/>
-    <p:sldId id="733" r:id="rId21"/>
+    <p:sldId id="798" r:id="rId17"/>
+    <p:sldId id="799" r:id="rId18"/>
+    <p:sldId id="801" r:id="rId19"/>
+    <p:sldId id="802" r:id="rId20"/>
+    <p:sldId id="803" r:id="rId21"/>
+    <p:sldId id="804" r:id="rId22"/>
+    <p:sldId id="794" r:id="rId23"/>
+    <p:sldId id="770" r:id="rId24"/>
+    <p:sldId id="795" r:id="rId25"/>
+    <p:sldId id="793" r:id="rId26"/>
+    <p:sldId id="733" r:id="rId27"/>
   </p:sldIdLst>
   <p:sldSz cx="12192000" cy="6858000"/>
   <p:notesSz cx="6858000" cy="9144000"/>
@@ -235,6 +241,136 @@
             <ac:spMk id="4" creationId="{DF8C2735-8644-4D88-BCA9-B87D6B096B3B}"/>
           </ac:spMkLst>
         </pc:spChg>
+      </pc:sldChg>
+    </pc:docChg>
+  </pc:docChgLst>
+  <pc:docChgLst>
+    <pc:chgData name="Shahbaz Shaikh" userId="794682b3-b40c-4141-b782-08abbe152586" providerId="ADAL" clId="{747F3AD6-9F3B-4CFB-9738-8D109AB16445}"/>
+    <pc:docChg chg="undo custSel delSld modSld">
+      <pc:chgData name="Shahbaz Shaikh" userId="794682b3-b40c-4141-b782-08abbe152586" providerId="ADAL" clId="{747F3AD6-9F3B-4CFB-9738-8D109AB16445}" dt="2022-11-10T08:07:45.530" v="110" actId="2696"/>
+      <pc:docMkLst>
+        <pc:docMk/>
+      </pc:docMkLst>
+      <pc:sldChg chg="modSp mod">
+        <pc:chgData name="Shahbaz Shaikh" userId="794682b3-b40c-4141-b782-08abbe152586" providerId="ADAL" clId="{747F3AD6-9F3B-4CFB-9738-8D109AB16445}" dt="2022-11-09T13:00:07.467" v="100" actId="20577"/>
+        <pc:sldMkLst>
+          <pc:docMk/>
+          <pc:sldMk cId="2825442332" sldId="429"/>
+        </pc:sldMkLst>
+        <pc:spChg chg="mod">
+          <ac:chgData name="Shahbaz Shaikh" userId="794682b3-b40c-4141-b782-08abbe152586" providerId="ADAL" clId="{747F3AD6-9F3B-4CFB-9738-8D109AB16445}" dt="2022-11-09T13:00:07.467" v="100" actId="20577"/>
+          <ac:spMkLst>
+            <pc:docMk/>
+            <pc:sldMk cId="2825442332" sldId="429"/>
+            <ac:spMk id="4" creationId="{3C95ED0F-8725-4BE1-9690-86C7F19E53CC}"/>
+          </ac:spMkLst>
+        </pc:spChg>
+      </pc:sldChg>
+      <pc:sldChg chg="modSp mod">
+        <pc:chgData name="Shahbaz Shaikh" userId="794682b3-b40c-4141-b782-08abbe152586" providerId="ADAL" clId="{747F3AD6-9F3B-4CFB-9738-8D109AB16445}" dt="2022-11-09T13:41:39.176" v="101" actId="20577"/>
+        <pc:sldMkLst>
+          <pc:docMk/>
+          <pc:sldMk cId="891159882" sldId="524"/>
+        </pc:sldMkLst>
+        <pc:spChg chg="mod">
+          <ac:chgData name="Shahbaz Shaikh" userId="794682b3-b40c-4141-b782-08abbe152586" providerId="ADAL" clId="{747F3AD6-9F3B-4CFB-9738-8D109AB16445}" dt="2022-11-09T13:41:39.176" v="101" actId="20577"/>
+          <ac:spMkLst>
+            <pc:docMk/>
+            <pc:sldMk cId="891159882" sldId="524"/>
+            <ac:spMk id="4" creationId="{DF8C2735-8644-4D88-BCA9-B87D6B096B3B}"/>
+          </ac:spMkLst>
+        </pc:spChg>
+      </pc:sldChg>
+      <pc:sldChg chg="modSp mod">
+        <pc:chgData name="Shahbaz Shaikh" userId="794682b3-b40c-4141-b782-08abbe152586" providerId="ADAL" clId="{747F3AD6-9F3B-4CFB-9738-8D109AB16445}" dt="2022-11-09T15:30:51.075" v="105" actId="20577"/>
+        <pc:sldMkLst>
+          <pc:docMk/>
+          <pc:sldMk cId="3941026448" sldId="607"/>
+        </pc:sldMkLst>
+        <pc:spChg chg="mod">
+          <ac:chgData name="Shahbaz Shaikh" userId="794682b3-b40c-4141-b782-08abbe152586" providerId="ADAL" clId="{747F3AD6-9F3B-4CFB-9738-8D109AB16445}" dt="2022-11-09T15:30:51.075" v="105" actId="20577"/>
+          <ac:spMkLst>
+            <pc:docMk/>
+            <pc:sldMk cId="3941026448" sldId="607"/>
+            <ac:spMk id="16" creationId="{A52427EB-3BB0-431D-8B23-8F953D6CD950}"/>
+          </ac:spMkLst>
+        </pc:spChg>
+      </pc:sldChg>
+      <pc:sldChg chg="modSp mod">
+        <pc:chgData name="Shahbaz Shaikh" userId="794682b3-b40c-4141-b782-08abbe152586" providerId="ADAL" clId="{747F3AD6-9F3B-4CFB-9738-8D109AB16445}" dt="2022-11-10T08:00:51.815" v="109" actId="20577"/>
+        <pc:sldMkLst>
+          <pc:docMk/>
+          <pc:sldMk cId="4207113355" sldId="693"/>
+        </pc:sldMkLst>
+        <pc:spChg chg="mod">
+          <ac:chgData name="Shahbaz Shaikh" userId="794682b3-b40c-4141-b782-08abbe152586" providerId="ADAL" clId="{747F3AD6-9F3B-4CFB-9738-8D109AB16445}" dt="2022-11-10T08:00:51.815" v="109" actId="20577"/>
+          <ac:spMkLst>
+            <pc:docMk/>
+            <pc:sldMk cId="4207113355" sldId="693"/>
+            <ac:spMk id="3" creationId="{9B60F9F7-88ED-E61B-2D7F-B01E8FCAD13B}"/>
+          </ac:spMkLst>
+        </pc:spChg>
+      </pc:sldChg>
+      <pc:sldChg chg="addSp delSp modSp del mod">
+        <pc:chgData name="Shahbaz Shaikh" userId="794682b3-b40c-4141-b782-08abbe152586" providerId="ADAL" clId="{747F3AD6-9F3B-4CFB-9738-8D109AB16445}" dt="2022-11-10T08:07:45.530" v="110" actId="2696"/>
+        <pc:sldMkLst>
+          <pc:docMk/>
+          <pc:sldMk cId="2947217994" sldId="726"/>
+        </pc:sldMkLst>
+        <pc:spChg chg="mod">
+          <ac:chgData name="Shahbaz Shaikh" userId="794682b3-b40c-4141-b782-08abbe152586" providerId="ADAL" clId="{747F3AD6-9F3B-4CFB-9738-8D109AB16445}" dt="2022-11-09T12:52:04.905" v="28" actId="20577"/>
+          <ac:spMkLst>
+            <pc:docMk/>
+            <pc:sldMk cId="2947217994" sldId="726"/>
+            <ac:spMk id="3" creationId="{272FBEDB-9ED2-1A94-5550-D31468D0ED67}"/>
+          </ac:spMkLst>
+        </pc:spChg>
+        <pc:picChg chg="del">
+          <ac:chgData name="Shahbaz Shaikh" userId="794682b3-b40c-4141-b782-08abbe152586" providerId="ADAL" clId="{747F3AD6-9F3B-4CFB-9738-8D109AB16445}" dt="2022-11-09T12:51:59.236" v="12" actId="478"/>
+          <ac:picMkLst>
+            <pc:docMk/>
+            <pc:sldMk cId="2947217994" sldId="726"/>
+            <ac:picMk id="5" creationId="{583C2953-57A9-7B5B-DA2A-306D33D92F48}"/>
+          </ac:picMkLst>
+        </pc:picChg>
+        <pc:picChg chg="add mod">
+          <ac:chgData name="Shahbaz Shaikh" userId="794682b3-b40c-4141-b782-08abbe152586" providerId="ADAL" clId="{747F3AD6-9F3B-4CFB-9738-8D109AB16445}" dt="2022-11-09T12:52:29.979" v="34" actId="14100"/>
+          <ac:picMkLst>
+            <pc:docMk/>
+            <pc:sldMk cId="2947217994" sldId="726"/>
+            <ac:picMk id="6" creationId="{E363F0E9-6C11-6BD4-E68C-969A7F08C866}"/>
+          </ac:picMkLst>
+        </pc:picChg>
+      </pc:sldChg>
+      <pc:sldChg chg="modSp mod">
+        <pc:chgData name="Shahbaz Shaikh" userId="794682b3-b40c-4141-b782-08abbe152586" providerId="ADAL" clId="{747F3AD6-9F3B-4CFB-9738-8D109AB16445}" dt="2022-11-10T05:56:28.619" v="107" actId="20577"/>
+        <pc:sldMkLst>
+          <pc:docMk/>
+          <pc:sldMk cId="3178243816" sldId="730"/>
+        </pc:sldMkLst>
+        <pc:spChg chg="mod">
+          <ac:chgData name="Shahbaz Shaikh" userId="794682b3-b40c-4141-b782-08abbe152586" providerId="ADAL" clId="{747F3AD6-9F3B-4CFB-9738-8D109AB16445}" dt="2022-11-10T05:56:28.619" v="107" actId="20577"/>
+          <ac:spMkLst>
+            <pc:docMk/>
+            <pc:sldMk cId="3178243816" sldId="730"/>
+            <ac:spMk id="3" creationId="{9B60F9F7-88ED-E61B-2D7F-B01E8FCAD13B}"/>
+          </ac:spMkLst>
+        </pc:spChg>
+      </pc:sldChg>
+      <pc:sldChg chg="addSp modSp mod">
+        <pc:chgData name="Shahbaz Shaikh" userId="794682b3-b40c-4141-b782-08abbe152586" providerId="ADAL" clId="{747F3AD6-9F3B-4CFB-9738-8D109AB16445}" dt="2022-11-09T12:49:18.849" v="11" actId="1076"/>
+        <pc:sldMkLst>
+          <pc:docMk/>
+          <pc:sldMk cId="516539361" sldId="733"/>
+        </pc:sldMkLst>
+        <pc:picChg chg="add mod">
+          <ac:chgData name="Shahbaz Shaikh" userId="794682b3-b40c-4141-b782-08abbe152586" providerId="ADAL" clId="{747F3AD6-9F3B-4CFB-9738-8D109AB16445}" dt="2022-11-09T12:49:18.849" v="11" actId="1076"/>
+          <ac:picMkLst>
+            <pc:docMk/>
+            <pc:sldMk cId="516539361" sldId="733"/>
+            <ac:picMk id="5" creationId="{8EA3A87D-4F0D-0404-1B70-099582359F97}"/>
+          </ac:picMkLst>
+        </pc:picChg>
       </pc:sldChg>
     </pc:docChg>
   </pc:docChgLst>
@@ -487,136 +623,6 @@
     </pc:docChg>
   </pc:docChgLst>
   <pc:docChgLst>
-    <pc:chgData name="Shahbaz Shaikh" userId="794682b3-b40c-4141-b782-08abbe152586" providerId="ADAL" clId="{747F3AD6-9F3B-4CFB-9738-8D109AB16445}"/>
-    <pc:docChg chg="undo custSel delSld modSld">
-      <pc:chgData name="Shahbaz Shaikh" userId="794682b3-b40c-4141-b782-08abbe152586" providerId="ADAL" clId="{747F3AD6-9F3B-4CFB-9738-8D109AB16445}" dt="2022-11-10T08:07:45.530" v="110" actId="2696"/>
-      <pc:docMkLst>
-        <pc:docMk/>
-      </pc:docMkLst>
-      <pc:sldChg chg="modSp mod">
-        <pc:chgData name="Shahbaz Shaikh" userId="794682b3-b40c-4141-b782-08abbe152586" providerId="ADAL" clId="{747F3AD6-9F3B-4CFB-9738-8D109AB16445}" dt="2022-11-09T13:00:07.467" v="100" actId="20577"/>
-        <pc:sldMkLst>
-          <pc:docMk/>
-          <pc:sldMk cId="2825442332" sldId="429"/>
-        </pc:sldMkLst>
-        <pc:spChg chg="mod">
-          <ac:chgData name="Shahbaz Shaikh" userId="794682b3-b40c-4141-b782-08abbe152586" providerId="ADAL" clId="{747F3AD6-9F3B-4CFB-9738-8D109AB16445}" dt="2022-11-09T13:00:07.467" v="100" actId="20577"/>
-          <ac:spMkLst>
-            <pc:docMk/>
-            <pc:sldMk cId="2825442332" sldId="429"/>
-            <ac:spMk id="4" creationId="{3C95ED0F-8725-4BE1-9690-86C7F19E53CC}"/>
-          </ac:spMkLst>
-        </pc:spChg>
-      </pc:sldChg>
-      <pc:sldChg chg="modSp mod">
-        <pc:chgData name="Shahbaz Shaikh" userId="794682b3-b40c-4141-b782-08abbe152586" providerId="ADAL" clId="{747F3AD6-9F3B-4CFB-9738-8D109AB16445}" dt="2022-11-09T13:41:39.176" v="101" actId="20577"/>
-        <pc:sldMkLst>
-          <pc:docMk/>
-          <pc:sldMk cId="891159882" sldId="524"/>
-        </pc:sldMkLst>
-        <pc:spChg chg="mod">
-          <ac:chgData name="Shahbaz Shaikh" userId="794682b3-b40c-4141-b782-08abbe152586" providerId="ADAL" clId="{747F3AD6-9F3B-4CFB-9738-8D109AB16445}" dt="2022-11-09T13:41:39.176" v="101" actId="20577"/>
-          <ac:spMkLst>
-            <pc:docMk/>
-            <pc:sldMk cId="891159882" sldId="524"/>
-            <ac:spMk id="4" creationId="{DF8C2735-8644-4D88-BCA9-B87D6B096B3B}"/>
-          </ac:spMkLst>
-        </pc:spChg>
-      </pc:sldChg>
-      <pc:sldChg chg="modSp mod">
-        <pc:chgData name="Shahbaz Shaikh" userId="794682b3-b40c-4141-b782-08abbe152586" providerId="ADAL" clId="{747F3AD6-9F3B-4CFB-9738-8D109AB16445}" dt="2022-11-09T15:30:51.075" v="105" actId="20577"/>
-        <pc:sldMkLst>
-          <pc:docMk/>
-          <pc:sldMk cId="3941026448" sldId="607"/>
-        </pc:sldMkLst>
-        <pc:spChg chg="mod">
-          <ac:chgData name="Shahbaz Shaikh" userId="794682b3-b40c-4141-b782-08abbe152586" providerId="ADAL" clId="{747F3AD6-9F3B-4CFB-9738-8D109AB16445}" dt="2022-11-09T15:30:51.075" v="105" actId="20577"/>
-          <ac:spMkLst>
-            <pc:docMk/>
-            <pc:sldMk cId="3941026448" sldId="607"/>
-            <ac:spMk id="16" creationId="{A52427EB-3BB0-431D-8B23-8F953D6CD950}"/>
-          </ac:spMkLst>
-        </pc:spChg>
-      </pc:sldChg>
-      <pc:sldChg chg="modSp mod">
-        <pc:chgData name="Shahbaz Shaikh" userId="794682b3-b40c-4141-b782-08abbe152586" providerId="ADAL" clId="{747F3AD6-9F3B-4CFB-9738-8D109AB16445}" dt="2022-11-10T08:00:51.815" v="109" actId="20577"/>
-        <pc:sldMkLst>
-          <pc:docMk/>
-          <pc:sldMk cId="4207113355" sldId="693"/>
-        </pc:sldMkLst>
-        <pc:spChg chg="mod">
-          <ac:chgData name="Shahbaz Shaikh" userId="794682b3-b40c-4141-b782-08abbe152586" providerId="ADAL" clId="{747F3AD6-9F3B-4CFB-9738-8D109AB16445}" dt="2022-11-10T08:00:51.815" v="109" actId="20577"/>
-          <ac:spMkLst>
-            <pc:docMk/>
-            <pc:sldMk cId="4207113355" sldId="693"/>
-            <ac:spMk id="3" creationId="{9B60F9F7-88ED-E61B-2D7F-B01E8FCAD13B}"/>
-          </ac:spMkLst>
-        </pc:spChg>
-      </pc:sldChg>
-      <pc:sldChg chg="addSp delSp modSp del mod">
-        <pc:chgData name="Shahbaz Shaikh" userId="794682b3-b40c-4141-b782-08abbe152586" providerId="ADAL" clId="{747F3AD6-9F3B-4CFB-9738-8D109AB16445}" dt="2022-11-10T08:07:45.530" v="110" actId="2696"/>
-        <pc:sldMkLst>
-          <pc:docMk/>
-          <pc:sldMk cId="2947217994" sldId="726"/>
-        </pc:sldMkLst>
-        <pc:spChg chg="mod">
-          <ac:chgData name="Shahbaz Shaikh" userId="794682b3-b40c-4141-b782-08abbe152586" providerId="ADAL" clId="{747F3AD6-9F3B-4CFB-9738-8D109AB16445}" dt="2022-11-09T12:52:04.905" v="28" actId="20577"/>
-          <ac:spMkLst>
-            <pc:docMk/>
-            <pc:sldMk cId="2947217994" sldId="726"/>
-            <ac:spMk id="3" creationId="{272FBEDB-9ED2-1A94-5550-D31468D0ED67}"/>
-          </ac:spMkLst>
-        </pc:spChg>
-        <pc:picChg chg="del">
-          <ac:chgData name="Shahbaz Shaikh" userId="794682b3-b40c-4141-b782-08abbe152586" providerId="ADAL" clId="{747F3AD6-9F3B-4CFB-9738-8D109AB16445}" dt="2022-11-09T12:51:59.236" v="12" actId="478"/>
-          <ac:picMkLst>
-            <pc:docMk/>
-            <pc:sldMk cId="2947217994" sldId="726"/>
-            <ac:picMk id="5" creationId="{583C2953-57A9-7B5B-DA2A-306D33D92F48}"/>
-          </ac:picMkLst>
-        </pc:picChg>
-        <pc:picChg chg="add mod">
-          <ac:chgData name="Shahbaz Shaikh" userId="794682b3-b40c-4141-b782-08abbe152586" providerId="ADAL" clId="{747F3AD6-9F3B-4CFB-9738-8D109AB16445}" dt="2022-11-09T12:52:29.979" v="34" actId="14100"/>
-          <ac:picMkLst>
-            <pc:docMk/>
-            <pc:sldMk cId="2947217994" sldId="726"/>
-            <ac:picMk id="6" creationId="{E363F0E9-6C11-6BD4-E68C-969A7F08C866}"/>
-          </ac:picMkLst>
-        </pc:picChg>
-      </pc:sldChg>
-      <pc:sldChg chg="modSp mod">
-        <pc:chgData name="Shahbaz Shaikh" userId="794682b3-b40c-4141-b782-08abbe152586" providerId="ADAL" clId="{747F3AD6-9F3B-4CFB-9738-8D109AB16445}" dt="2022-11-10T05:56:28.619" v="107" actId="20577"/>
-        <pc:sldMkLst>
-          <pc:docMk/>
-          <pc:sldMk cId="3178243816" sldId="730"/>
-        </pc:sldMkLst>
-        <pc:spChg chg="mod">
-          <ac:chgData name="Shahbaz Shaikh" userId="794682b3-b40c-4141-b782-08abbe152586" providerId="ADAL" clId="{747F3AD6-9F3B-4CFB-9738-8D109AB16445}" dt="2022-11-10T05:56:28.619" v="107" actId="20577"/>
-          <ac:spMkLst>
-            <pc:docMk/>
-            <pc:sldMk cId="3178243816" sldId="730"/>
-            <ac:spMk id="3" creationId="{9B60F9F7-88ED-E61B-2D7F-B01E8FCAD13B}"/>
-          </ac:spMkLst>
-        </pc:spChg>
-      </pc:sldChg>
-      <pc:sldChg chg="addSp modSp mod">
-        <pc:chgData name="Shahbaz Shaikh" userId="794682b3-b40c-4141-b782-08abbe152586" providerId="ADAL" clId="{747F3AD6-9F3B-4CFB-9738-8D109AB16445}" dt="2022-11-09T12:49:18.849" v="11" actId="1076"/>
-        <pc:sldMkLst>
-          <pc:docMk/>
-          <pc:sldMk cId="516539361" sldId="733"/>
-        </pc:sldMkLst>
-        <pc:picChg chg="add mod">
-          <ac:chgData name="Shahbaz Shaikh" userId="794682b3-b40c-4141-b782-08abbe152586" providerId="ADAL" clId="{747F3AD6-9F3B-4CFB-9738-8D109AB16445}" dt="2022-11-09T12:49:18.849" v="11" actId="1076"/>
-          <ac:picMkLst>
-            <pc:docMk/>
-            <pc:sldMk cId="516539361" sldId="733"/>
-            <ac:picMk id="5" creationId="{8EA3A87D-4F0D-0404-1B70-099582359F97}"/>
-          </ac:picMkLst>
-        </pc:picChg>
-      </pc:sldChg>
-    </pc:docChg>
-  </pc:docChgLst>
-  <pc:docChgLst>
     <pc:chgData name="Vishwani Patel" userId="S::vishwani.patel@1rivet.com::9e6db74d-ca94-469d-901a-b34cb4d6ac3d" providerId="AD" clId="Web-{2E434086-B9CE-4AAC-B72E-B1C8233826A4}"/>
     <pc:docChg chg="addSld modSld">
       <pc:chgData name="Vishwani Patel" userId="S::vishwani.patel@1rivet.com::9e6db74d-ca94-469d-901a-b34cb4d6ac3d" providerId="AD" clId="Web-{2E434086-B9CE-4AAC-B72E-B1C8233826A4}" dt="2024-01-02T04:45:51.405" v="35"/>
@@ -2582,7 +2588,7 @@
           <a:p>
             <a:fld id="{7023F2D1-8A2C-4CCB-8FB1-7C7F399EE71F}" type="datetimeFigureOut">
               <a:rPr lang="en-GB" smtClean="0"/>
-              <a:t>04/01/2024</a:t>
+              <a:t>09/01/2024</a:t>
             </a:fld>
             <a:endParaRPr lang="en-GB"/>
           </a:p>
@@ -4697,7 +4703,7 @@
                 <a:tabLst/>
                 <a:defRPr/>
               </a:pPr>
-              <a:t>04/01/2024</a:t>
+              <a:t>09/01/2024</a:t>
             </a:fld>
             <a:endParaRPr kumimoji="0" lang="en-GB" sz="1200" b="0" i="0" u="none" strike="noStrike" kern="1200" cap="none" spc="0" normalizeH="0" baseline="0" noProof="0">
               <a:ln>
@@ -5605,6 +5611,2096 @@
           <p:cNvPr id="2" name="Text Placeholder 1">
             <a:extLst>
               <a:ext uri="{FF2B5EF4-FFF2-40B4-BE49-F238E27FC236}">
+                <a16:creationId xmlns:a16="http://schemas.microsoft.com/office/drawing/2014/main" id="{54BC5037-2642-418B-B1A6-547135EC0BDD}"/>
+              </a:ext>
+            </a:extLst>
+          </p:cNvPr>
+          <p:cNvSpPr>
+            <a:spLocks noGrp="1"/>
+          </p:cNvSpPr>
+          <p:nvPr>
+            <p:ph type="body" sz="quarter" idx="10"/>
+          </p:nvPr>
+        </p:nvSpPr>
+        <p:spPr/>
+        <p:txBody>
+          <a:bodyPr/>
+          <a:lstStyle/>
+          <a:p>
+            <a:r>
+              <a:rPr lang="en-US" dirty="0"/>
+              <a:t>Basic Usage (</a:t>
+            </a:r>
+            <a:r>
+              <a:rPr lang="en-US" dirty="0" err="1"/>
+              <a:t>Cont</a:t>
+            </a:r>
+            <a:r>
+              <a:rPr lang="en-US" dirty="0"/>
+              <a:t>…)</a:t>
+            </a:r>
+            <a:endParaRPr lang="en-GB" dirty="0"/>
+          </a:p>
+        </p:txBody>
+      </p:sp>
+      <p:sp>
+        <p:nvSpPr>
+          <p:cNvPr id="4" name="TextBox 3">
+            <a:extLst>
+              <a:ext uri="{FF2B5EF4-FFF2-40B4-BE49-F238E27FC236}">
+                <a16:creationId xmlns:a16="http://schemas.microsoft.com/office/drawing/2014/main" id="{C9D3D00F-88A4-C1FA-3DA2-22483E7234C2}"/>
+              </a:ext>
+            </a:extLst>
+          </p:cNvPr>
+          <p:cNvSpPr txBox="1"/>
+          <p:nvPr/>
+        </p:nvSpPr>
+        <p:spPr>
+          <a:xfrm>
+            <a:off x="515982" y="881539"/>
+            <a:ext cx="11031584" cy="5478295"/>
+          </a:xfrm>
+          <a:prstGeom prst="rect">
+            <a:avLst/>
+          </a:prstGeom>
+          <a:noFill/>
+        </p:spPr>
+        <p:txBody>
+          <a:bodyPr wrap="square">
+            <a:spAutoFit/>
+          </a:bodyPr>
+          <a:lstStyle/>
+          <a:p>
+            <a:pPr algn="just">
+              <a:lnSpc>
+                <a:spcPct val="115000"/>
+              </a:lnSpc>
+              <a:spcAft>
+                <a:spcPts val="800"/>
+              </a:spcAft>
+            </a:pPr>
+            <a:r>
+              <a:rPr lang="en-IN" sz="1800" b="1" dirty="0">
+                <a:solidFill>
+                  <a:schemeClr val="accent1"/>
+                </a:solidFill>
+                <a:effectLst/>
+                <a:latin typeface="Futura Medium" panose="020B0602020204020303"/>
+                <a:ea typeface="Calibri" panose="020F0502020204030204" pitchFamily="34" charset="0"/>
+              </a:rPr>
+              <a:t>Step 1: Create an API Slice</a:t>
+            </a:r>
+          </a:p>
+          <a:p>
+            <a:pPr algn="just">
+              <a:lnSpc>
+                <a:spcPct val="115000"/>
+              </a:lnSpc>
+              <a:spcAft>
+                <a:spcPts val="800"/>
+              </a:spcAft>
+            </a:pPr>
+            <a:r>
+              <a:rPr lang="en-US" sz="1600" dirty="0">
+                <a:effectLst/>
+                <a:latin typeface="Futura Medium" panose="020B0602020204020303"/>
+                <a:ea typeface="Calibri" panose="020F0502020204030204" pitchFamily="34" charset="0"/>
+              </a:rPr>
+              <a:t>Importing </a:t>
+            </a:r>
+            <a:r>
+              <a:rPr lang="en-US" sz="1600" dirty="0" err="1">
+                <a:effectLst/>
+                <a:latin typeface="Futura Medium" panose="020B0602020204020303"/>
+                <a:ea typeface="Calibri" panose="020F0502020204030204" pitchFamily="34" charset="0"/>
+              </a:rPr>
+              <a:t>createApi</a:t>
+            </a:r>
+            <a:r>
+              <a:rPr lang="en-US" sz="1600" dirty="0">
+                <a:effectLst/>
+                <a:latin typeface="Futura Medium" panose="020B0602020204020303"/>
+                <a:ea typeface="Calibri" panose="020F0502020204030204" pitchFamily="34" charset="0"/>
+              </a:rPr>
+              <a:t> and defining an “API slice” that lists the server’s base URL and which endpoints we want to interact with</a:t>
+            </a:r>
+          </a:p>
+          <a:p>
+            <a:pPr algn="just">
+              <a:lnSpc>
+                <a:spcPct val="115000"/>
+              </a:lnSpc>
+              <a:spcAft>
+                <a:spcPts val="800"/>
+              </a:spcAft>
+            </a:pPr>
+            <a:r>
+              <a:rPr lang="en-US" sz="1600" b="1" dirty="0" err="1">
+                <a:effectLst/>
+                <a:latin typeface="Futura Medium" panose="020B0602020204020303"/>
+                <a:ea typeface="Calibri" panose="020F0502020204030204" pitchFamily="34" charset="0"/>
+              </a:rPr>
+              <a:t>createAPI</a:t>
+            </a:r>
+            <a:r>
+              <a:rPr lang="en-US" sz="1600" dirty="0">
+                <a:effectLst/>
+                <a:latin typeface="Futura Medium" panose="020B0602020204020303"/>
+                <a:ea typeface="Calibri" panose="020F0502020204030204" pitchFamily="34" charset="0"/>
+              </a:rPr>
+              <a:t> –</a:t>
+            </a:r>
+          </a:p>
+          <a:p>
+            <a:pPr marL="285750" indent="-285750" algn="just">
+              <a:lnSpc>
+                <a:spcPct val="115000"/>
+              </a:lnSpc>
+              <a:spcAft>
+                <a:spcPts val="800"/>
+              </a:spcAft>
+              <a:buFont typeface="Arial" panose="020B0604020202020204" pitchFamily="34" charset="0"/>
+              <a:buChar char="•"/>
+            </a:pPr>
+            <a:r>
+              <a:rPr lang="en-US" sz="1600" dirty="0">
+                <a:effectLst/>
+                <a:latin typeface="Futura Medium" panose="020B0602020204020303"/>
+                <a:ea typeface="Calibri" panose="020F0502020204030204" pitchFamily="34" charset="0"/>
+              </a:rPr>
+              <a:t>It’s a function provided by Redux Toolkit </a:t>
+            </a:r>
+            <a:r>
+              <a:rPr lang="en-US" sz="1600" dirty="0" err="1">
+                <a:effectLst/>
+                <a:latin typeface="Futura Medium" panose="020B0602020204020303"/>
+                <a:ea typeface="Calibri" panose="020F0502020204030204" pitchFamily="34" charset="0"/>
+              </a:rPr>
+              <a:t>Querty</a:t>
+            </a:r>
+            <a:r>
+              <a:rPr lang="en-US" sz="1600" dirty="0">
+                <a:effectLst/>
+                <a:latin typeface="Futura Medium" panose="020B0602020204020303"/>
+                <a:ea typeface="Calibri" panose="020F0502020204030204" pitchFamily="34" charset="0"/>
+              </a:rPr>
+              <a:t> that helps to create an API slice.</a:t>
+            </a:r>
+          </a:p>
+          <a:p>
+            <a:pPr marL="285750" indent="-285750" algn="just">
+              <a:lnSpc>
+                <a:spcPct val="115000"/>
+              </a:lnSpc>
+              <a:spcAft>
+                <a:spcPts val="800"/>
+              </a:spcAft>
+              <a:buFont typeface="Arial" panose="020B0604020202020204" pitchFamily="34" charset="0"/>
+              <a:buChar char="•"/>
+            </a:pPr>
+            <a:r>
+              <a:rPr lang="en-US" sz="1600" dirty="0">
+                <a:effectLst/>
+                <a:latin typeface="Futura Medium" panose="020B0602020204020303"/>
+                <a:ea typeface="Calibri" panose="020F0502020204030204" pitchFamily="34" charset="0"/>
+              </a:rPr>
+              <a:t>It takes an object as an argument with 2 key properties –</a:t>
+            </a:r>
+          </a:p>
+          <a:p>
+            <a:pPr marL="742950" lvl="1" indent="-285750" algn="just">
+              <a:lnSpc>
+                <a:spcPct val="115000"/>
+              </a:lnSpc>
+              <a:spcAft>
+                <a:spcPts val="800"/>
+              </a:spcAft>
+              <a:buFont typeface="Wingdings" panose="05000000000000000000" pitchFamily="2" charset="2"/>
+              <a:buChar char="Ø"/>
+            </a:pPr>
+            <a:r>
+              <a:rPr lang="en-US" sz="1600" b="1" dirty="0" err="1">
+                <a:effectLst/>
+                <a:latin typeface="Futura Medium" panose="020B0602020204020303"/>
+                <a:ea typeface="Calibri" panose="020F0502020204030204" pitchFamily="34" charset="0"/>
+              </a:rPr>
+              <a:t>baseQuery</a:t>
+            </a:r>
+            <a:r>
+              <a:rPr lang="en-US" sz="1600" dirty="0">
+                <a:effectLst/>
+                <a:latin typeface="Futura Medium" panose="020B0602020204020303"/>
+                <a:ea typeface="Calibri" panose="020F0502020204030204" pitchFamily="34" charset="0"/>
+              </a:rPr>
+              <a:t> – Here we define the base URL using </a:t>
+            </a:r>
+            <a:r>
+              <a:rPr lang="en-US" sz="1600" b="1" dirty="0" err="1">
+                <a:effectLst/>
+                <a:latin typeface="Futura Medium" panose="020B0602020204020303"/>
+                <a:ea typeface="Calibri" panose="020F0502020204030204" pitchFamily="34" charset="0"/>
+              </a:rPr>
+              <a:t>fetchBaseQuery</a:t>
+            </a:r>
+            <a:r>
+              <a:rPr lang="en-US" sz="1600" dirty="0">
+                <a:effectLst/>
+                <a:latin typeface="Futura Medium" panose="020B0602020204020303"/>
+                <a:ea typeface="Calibri" panose="020F0502020204030204" pitchFamily="34" charset="0"/>
+              </a:rPr>
+              <a:t> for making an HTTP request.</a:t>
+            </a:r>
+          </a:p>
+          <a:p>
+            <a:pPr marL="742950" lvl="1" indent="-285750" algn="just">
+              <a:lnSpc>
+                <a:spcPct val="115000"/>
+              </a:lnSpc>
+              <a:spcAft>
+                <a:spcPts val="800"/>
+              </a:spcAft>
+              <a:buFont typeface="Wingdings" panose="05000000000000000000" pitchFamily="2" charset="2"/>
+              <a:buChar char="Ø"/>
+            </a:pPr>
+            <a:r>
+              <a:rPr lang="en-US" sz="1600" b="1" dirty="0">
+                <a:effectLst/>
+                <a:latin typeface="Futura Medium" panose="020B0602020204020303"/>
+                <a:ea typeface="Calibri" panose="020F0502020204030204" pitchFamily="34" charset="0"/>
+              </a:rPr>
+              <a:t>endpoints</a:t>
+            </a:r>
+            <a:r>
+              <a:rPr lang="en-US" sz="1600" dirty="0">
+                <a:effectLst/>
+                <a:latin typeface="Futura Medium" panose="020B0602020204020303"/>
+                <a:ea typeface="Calibri" panose="020F0502020204030204" pitchFamily="34" charset="0"/>
+              </a:rPr>
+              <a:t> – here we define the various endpoints for fetching and receiving data.</a:t>
+            </a:r>
+          </a:p>
+          <a:p>
+            <a:pPr lvl="1" algn="just">
+              <a:lnSpc>
+                <a:spcPct val="115000"/>
+              </a:lnSpc>
+              <a:spcAft>
+                <a:spcPts val="800"/>
+              </a:spcAft>
+            </a:pPr>
+            <a:endParaRPr lang="en-US" sz="1600" dirty="0">
+              <a:effectLst/>
+              <a:latin typeface="Futura Medium" panose="020B0602020204020303"/>
+              <a:ea typeface="Calibri" panose="020F0502020204030204" pitchFamily="34" charset="0"/>
+            </a:endParaRPr>
+          </a:p>
+          <a:p>
+            <a:pPr marL="0" lvl="1" algn="just">
+              <a:lnSpc>
+                <a:spcPct val="115000"/>
+              </a:lnSpc>
+              <a:spcAft>
+                <a:spcPts val="800"/>
+              </a:spcAft>
+            </a:pPr>
+            <a:r>
+              <a:rPr lang="en-US" sz="1600" b="1" dirty="0">
+                <a:latin typeface="Futura Medium" panose="020B0602020204020303"/>
+                <a:ea typeface="Calibri" panose="020F0502020204030204" pitchFamily="34" charset="0"/>
+              </a:rPr>
+              <a:t>Generated Hooks –</a:t>
+            </a:r>
+          </a:p>
+          <a:p>
+            <a:pPr marL="285750" lvl="1" indent="-285750" algn="just">
+              <a:lnSpc>
+                <a:spcPct val="115000"/>
+              </a:lnSpc>
+              <a:spcAft>
+                <a:spcPts val="800"/>
+              </a:spcAft>
+              <a:buFont typeface="Arial" panose="020B0604020202020204" pitchFamily="34" charset="0"/>
+              <a:buChar char="•"/>
+            </a:pPr>
+            <a:r>
+              <a:rPr lang="en-US" sz="1600" dirty="0">
+                <a:latin typeface="Futura Medium" panose="020B0602020204020303"/>
+                <a:ea typeface="Calibri" panose="020F0502020204030204" pitchFamily="34" charset="0"/>
+              </a:rPr>
+              <a:t>Once the slice is defined , redux toolkit query automatically exposes a hook for each endpoint, that helps in fetching data in your component.</a:t>
+            </a:r>
+          </a:p>
+          <a:p>
+            <a:pPr marL="0" lvl="1" algn="just">
+              <a:lnSpc>
+                <a:spcPct val="115000"/>
+              </a:lnSpc>
+              <a:spcAft>
+                <a:spcPts val="800"/>
+              </a:spcAft>
+            </a:pPr>
+            <a:r>
+              <a:rPr lang="en-US" sz="1600" b="1" dirty="0">
+                <a:latin typeface="Futura Medium" panose="020B0602020204020303"/>
+                <a:ea typeface="Calibri" panose="020F0502020204030204" pitchFamily="34" charset="0"/>
+              </a:rPr>
+              <a:t>How to write the hook name ?</a:t>
+            </a:r>
+          </a:p>
+          <a:p>
+            <a:pPr marL="285750" lvl="1" indent="-285750" algn="just">
+              <a:lnSpc>
+                <a:spcPct val="115000"/>
+              </a:lnSpc>
+              <a:spcAft>
+                <a:spcPts val="800"/>
+              </a:spcAft>
+              <a:buFont typeface="Arial" panose="020B0604020202020204" pitchFamily="34" charset="0"/>
+              <a:buChar char="•"/>
+            </a:pPr>
+            <a:r>
+              <a:rPr lang="en-US" sz="1600" dirty="0">
+                <a:latin typeface="Futura Medium" panose="020B0602020204020303"/>
+                <a:ea typeface="Calibri" panose="020F0502020204030204" pitchFamily="34" charset="0"/>
+              </a:rPr>
+              <a:t>Just convert the endpoint name into camel case and add use keyword at the start and Query keyword at end.</a:t>
+            </a:r>
+          </a:p>
+        </p:txBody>
+      </p:sp>
+    </p:spTree>
+    <p:extLst>
+      <p:ext uri="{BB962C8B-B14F-4D97-AF65-F5344CB8AC3E}">
+        <p14:creationId xmlns:p14="http://schemas.microsoft.com/office/powerpoint/2010/main" val="793586197"/>
+      </p:ext>
+    </p:extLst>
+  </p:cSld>
+  <p:clrMapOvr>
+    <a:masterClrMapping/>
+  </p:clrMapOvr>
+</p:sld>
+</file>
+
+<file path=ppt/slides/slide13.xml><?xml version="1.0" encoding="utf-8"?>
+<p:sld xmlns:a="http://schemas.openxmlformats.org/drawingml/2006/main" xmlns:r="http://schemas.openxmlformats.org/officeDocument/2006/relationships" xmlns:p="http://schemas.openxmlformats.org/presentationml/2006/main">
+  <p:cSld>
+    <p:spTree>
+      <p:nvGrpSpPr>
+        <p:cNvPr id="1" name=""/>
+        <p:cNvGrpSpPr/>
+        <p:nvPr/>
+      </p:nvGrpSpPr>
+      <p:grpSpPr>
+        <a:xfrm>
+          <a:off x="0" y="0"/>
+          <a:ext cx="0" cy="0"/>
+          <a:chOff x="0" y="0"/>
+          <a:chExt cx="0" cy="0"/>
+        </a:xfrm>
+      </p:grpSpPr>
+      <p:sp>
+        <p:nvSpPr>
+          <p:cNvPr id="2" name="Text Placeholder 1">
+            <a:extLst>
+              <a:ext uri="{FF2B5EF4-FFF2-40B4-BE49-F238E27FC236}">
+                <a16:creationId xmlns:a16="http://schemas.microsoft.com/office/drawing/2014/main" id="{54BC5037-2642-418B-B1A6-547135EC0BDD}"/>
+              </a:ext>
+            </a:extLst>
+          </p:cNvPr>
+          <p:cNvSpPr>
+            <a:spLocks noGrp="1"/>
+          </p:cNvSpPr>
+          <p:nvPr>
+            <p:ph type="body" sz="quarter" idx="10"/>
+          </p:nvPr>
+        </p:nvSpPr>
+        <p:spPr/>
+        <p:txBody>
+          <a:bodyPr/>
+          <a:lstStyle/>
+          <a:p>
+            <a:r>
+              <a:rPr lang="en-US" dirty="0"/>
+              <a:t>Basic Usage (</a:t>
+            </a:r>
+            <a:r>
+              <a:rPr lang="en-US" dirty="0" err="1"/>
+              <a:t>Cont</a:t>
+            </a:r>
+            <a:r>
+              <a:rPr lang="en-US" dirty="0"/>
+              <a:t>…)</a:t>
+            </a:r>
+            <a:endParaRPr lang="en-GB" dirty="0"/>
+          </a:p>
+        </p:txBody>
+      </p:sp>
+      <p:sp>
+        <p:nvSpPr>
+          <p:cNvPr id="4" name="TextBox 3">
+            <a:extLst>
+              <a:ext uri="{FF2B5EF4-FFF2-40B4-BE49-F238E27FC236}">
+                <a16:creationId xmlns:a16="http://schemas.microsoft.com/office/drawing/2014/main" id="{C9D3D00F-88A4-C1FA-3DA2-22483E7234C2}"/>
+              </a:ext>
+            </a:extLst>
+          </p:cNvPr>
+          <p:cNvSpPr txBox="1"/>
+          <p:nvPr/>
+        </p:nvSpPr>
+        <p:spPr>
+          <a:xfrm>
+            <a:off x="515982" y="1064419"/>
+            <a:ext cx="11031584" cy="3439788"/>
+          </a:xfrm>
+          <a:prstGeom prst="rect">
+            <a:avLst/>
+          </a:prstGeom>
+          <a:noFill/>
+        </p:spPr>
+        <p:txBody>
+          <a:bodyPr wrap="square">
+            <a:spAutoFit/>
+          </a:bodyPr>
+          <a:lstStyle/>
+          <a:p>
+            <a:pPr algn="just">
+              <a:lnSpc>
+                <a:spcPct val="115000"/>
+              </a:lnSpc>
+              <a:spcAft>
+                <a:spcPts val="800"/>
+              </a:spcAft>
+            </a:pPr>
+            <a:r>
+              <a:rPr lang="en-IN" sz="1800" b="1" dirty="0">
+                <a:solidFill>
+                  <a:schemeClr val="accent1"/>
+                </a:solidFill>
+                <a:effectLst/>
+                <a:latin typeface="Futura Medium" panose="020B0602020204020303"/>
+                <a:ea typeface="Calibri" panose="020F0502020204030204" pitchFamily="34" charset="0"/>
+              </a:rPr>
+              <a:t>Step 2: Configure a Store</a:t>
+            </a:r>
+          </a:p>
+          <a:p>
+            <a:pPr marL="285750" indent="-285750" algn="just">
+              <a:lnSpc>
+                <a:spcPct val="115000"/>
+              </a:lnSpc>
+              <a:spcAft>
+                <a:spcPts val="800"/>
+              </a:spcAft>
+              <a:buFont typeface="Arial" panose="020B0604020202020204" pitchFamily="34" charset="0"/>
+              <a:buChar char="•"/>
+            </a:pPr>
+            <a:r>
+              <a:rPr lang="en-US" sz="1600" dirty="0">
+                <a:effectLst/>
+                <a:latin typeface="Futura Medium" panose="020B0602020204020303"/>
+                <a:ea typeface="Calibri" panose="020F0502020204030204" pitchFamily="34" charset="0"/>
+              </a:rPr>
+              <a:t>An RTKQ service generates a "slice reducer" that should be included in the Redux root reducer, and a custom middleware that handles the data fetching. Both need to be added to the Redux store.</a:t>
+            </a:r>
+          </a:p>
+          <a:p>
+            <a:pPr marL="285750" indent="-285750" algn="just">
+              <a:lnSpc>
+                <a:spcPct val="115000"/>
+              </a:lnSpc>
+              <a:spcAft>
+                <a:spcPts val="800"/>
+              </a:spcAft>
+              <a:buFont typeface="Arial" panose="020B0604020202020204" pitchFamily="34" charset="0"/>
+              <a:buChar char="•"/>
+            </a:pPr>
+            <a:r>
+              <a:rPr lang="en-US" sz="1600" dirty="0">
+                <a:effectLst/>
+                <a:latin typeface="Futura Medium" panose="020B0602020204020303"/>
+                <a:ea typeface="Calibri" panose="020F0502020204030204" pitchFamily="34" charset="0"/>
+              </a:rPr>
+              <a:t>We can also use RTK query without store as well.</a:t>
+            </a:r>
+          </a:p>
+          <a:p>
+            <a:pPr marL="285750" indent="-285750" algn="just">
+              <a:lnSpc>
+                <a:spcPct val="115000"/>
+              </a:lnSpc>
+              <a:spcAft>
+                <a:spcPts val="800"/>
+              </a:spcAft>
+              <a:buFont typeface="Arial" panose="020B0604020202020204" pitchFamily="34" charset="0"/>
+              <a:buChar char="•"/>
+            </a:pPr>
+            <a:r>
+              <a:rPr lang="en-US" sz="1600" dirty="0">
+                <a:effectLst/>
+                <a:latin typeface="Futura Medium" panose="020B0602020204020303"/>
+                <a:ea typeface="Calibri" panose="020F0502020204030204" pitchFamily="34" charset="0"/>
+              </a:rPr>
+              <a:t>&lt;</a:t>
+            </a:r>
+            <a:r>
+              <a:rPr lang="en-US" sz="1600" dirty="0" err="1">
+                <a:effectLst/>
+                <a:latin typeface="Futura Medium" panose="020B0602020204020303"/>
+                <a:ea typeface="Calibri" panose="020F0502020204030204" pitchFamily="34" charset="0"/>
+              </a:rPr>
+              <a:t>ApiProvider</a:t>
+            </a:r>
+            <a:r>
+              <a:rPr lang="en-US" sz="1600" dirty="0">
+                <a:effectLst/>
+                <a:latin typeface="Futura Medium" panose="020B0602020204020303"/>
+                <a:ea typeface="Calibri" panose="020F0502020204030204" pitchFamily="34" charset="0"/>
+              </a:rPr>
+              <a:t> /&gt; can be used as a Provider if we do not already have a Redux store.</a:t>
+            </a:r>
+          </a:p>
+          <a:p>
+            <a:pPr marL="285750" indent="-285750" algn="just">
+              <a:lnSpc>
+                <a:spcPct val="115000"/>
+              </a:lnSpc>
+              <a:spcAft>
+                <a:spcPts val="800"/>
+              </a:spcAft>
+              <a:buFont typeface="Arial" panose="020B0604020202020204" pitchFamily="34" charset="0"/>
+              <a:buChar char="•"/>
+            </a:pPr>
+            <a:endParaRPr lang="en-US" sz="1600" dirty="0">
+              <a:latin typeface="Futura Medium" panose="020B0602020204020303"/>
+              <a:ea typeface="Calibri" panose="020F0502020204030204" pitchFamily="34" charset="0"/>
+            </a:endParaRPr>
+          </a:p>
+          <a:p>
+            <a:pPr algn="just">
+              <a:lnSpc>
+                <a:spcPct val="115000"/>
+              </a:lnSpc>
+              <a:spcAft>
+                <a:spcPts val="800"/>
+              </a:spcAft>
+            </a:pPr>
+            <a:r>
+              <a:rPr lang="en-US" b="1" dirty="0">
+                <a:solidFill>
+                  <a:schemeClr val="accent1"/>
+                </a:solidFill>
+                <a:effectLst/>
+                <a:latin typeface="Futura Medium" panose="020B0602020204020303"/>
+                <a:ea typeface="Calibri" panose="020F0502020204030204" pitchFamily="34" charset="0"/>
+              </a:rPr>
+              <a:t>Step 3: Provide store to an App</a:t>
+            </a:r>
+          </a:p>
+          <a:p>
+            <a:pPr marL="285750" indent="-285750" algn="just">
+              <a:lnSpc>
+                <a:spcPct val="115000"/>
+              </a:lnSpc>
+              <a:spcAft>
+                <a:spcPts val="800"/>
+              </a:spcAft>
+              <a:buFont typeface="Arial" panose="020B0604020202020204" pitchFamily="34" charset="0"/>
+              <a:buChar char="•"/>
+            </a:pPr>
+            <a:r>
+              <a:rPr lang="en-US" sz="1600" dirty="0">
+                <a:latin typeface="Futura Medium" panose="020B0602020204020303"/>
+                <a:ea typeface="Calibri" panose="020F0502020204030204" pitchFamily="34" charset="0"/>
+              </a:rPr>
+              <a:t>We can use Provider from the react-redux and without a store use </a:t>
+            </a:r>
+            <a:r>
+              <a:rPr lang="en-US" sz="1600" dirty="0" err="1">
+                <a:latin typeface="Futura Medium" panose="020B0602020204020303"/>
+                <a:ea typeface="Calibri" panose="020F0502020204030204" pitchFamily="34" charset="0"/>
+              </a:rPr>
+              <a:t>ApiProvider</a:t>
+            </a:r>
+            <a:r>
+              <a:rPr lang="en-US" sz="1600" dirty="0">
+                <a:latin typeface="Futura Medium" panose="020B0602020204020303"/>
+                <a:ea typeface="Calibri" panose="020F0502020204030204" pitchFamily="34" charset="0"/>
+              </a:rPr>
+              <a:t> from the redux-</a:t>
+            </a:r>
+            <a:r>
+              <a:rPr lang="en-US" sz="1600" dirty="0" err="1">
+                <a:latin typeface="Futura Medium" panose="020B0602020204020303"/>
+                <a:ea typeface="Calibri" panose="020F0502020204030204" pitchFamily="34" charset="0"/>
+              </a:rPr>
+              <a:t>js</a:t>
+            </a:r>
+            <a:r>
+              <a:rPr lang="en-US" sz="1600" dirty="0">
+                <a:latin typeface="Futura Medium" panose="020B0602020204020303"/>
+                <a:ea typeface="Calibri" panose="020F0502020204030204" pitchFamily="34" charset="0"/>
+              </a:rPr>
+              <a:t> toolkit.</a:t>
+            </a:r>
+            <a:endParaRPr lang="en-US" sz="1600" dirty="0">
+              <a:effectLst/>
+              <a:latin typeface="Futura Medium" panose="020B0602020204020303"/>
+              <a:ea typeface="Calibri" panose="020F0502020204030204" pitchFamily="34" charset="0"/>
+            </a:endParaRPr>
+          </a:p>
+          <a:p>
+            <a:pPr algn="just">
+              <a:lnSpc>
+                <a:spcPct val="115000"/>
+              </a:lnSpc>
+              <a:spcAft>
+                <a:spcPts val="800"/>
+              </a:spcAft>
+            </a:pPr>
+            <a:endParaRPr lang="en-IN" sz="1600" dirty="0">
+              <a:effectLst/>
+              <a:latin typeface="Futura Medium" panose="020B0602020204020303"/>
+              <a:ea typeface="Calibri" panose="020F0502020204030204" pitchFamily="34" charset="0"/>
+            </a:endParaRPr>
+          </a:p>
+        </p:txBody>
+      </p:sp>
+    </p:spTree>
+    <p:extLst>
+      <p:ext uri="{BB962C8B-B14F-4D97-AF65-F5344CB8AC3E}">
+        <p14:creationId xmlns:p14="http://schemas.microsoft.com/office/powerpoint/2010/main" val="225994526"/>
+      </p:ext>
+    </p:extLst>
+  </p:cSld>
+  <p:clrMapOvr>
+    <a:masterClrMapping/>
+  </p:clrMapOvr>
+</p:sld>
+</file>
+
+<file path=ppt/slides/slide14.xml><?xml version="1.0" encoding="utf-8"?>
+<p:sld xmlns:a="http://schemas.openxmlformats.org/drawingml/2006/main" xmlns:r="http://schemas.openxmlformats.org/officeDocument/2006/relationships" xmlns:p="http://schemas.openxmlformats.org/presentationml/2006/main">
+  <p:cSld>
+    <p:spTree>
+      <p:nvGrpSpPr>
+        <p:cNvPr id="1" name=""/>
+        <p:cNvGrpSpPr/>
+        <p:nvPr/>
+      </p:nvGrpSpPr>
+      <p:grpSpPr>
+        <a:xfrm>
+          <a:off x="0" y="0"/>
+          <a:ext cx="0" cy="0"/>
+          <a:chOff x="0" y="0"/>
+          <a:chExt cx="0" cy="0"/>
+        </a:xfrm>
+      </p:grpSpPr>
+      <p:sp>
+        <p:nvSpPr>
+          <p:cNvPr id="2" name="Text Placeholder 1">
+            <a:extLst>
+              <a:ext uri="{FF2B5EF4-FFF2-40B4-BE49-F238E27FC236}">
+                <a16:creationId xmlns:a16="http://schemas.microsoft.com/office/drawing/2014/main" id="{54BC5037-2642-418B-B1A6-547135EC0BDD}"/>
+              </a:ext>
+            </a:extLst>
+          </p:cNvPr>
+          <p:cNvSpPr>
+            <a:spLocks noGrp="1"/>
+          </p:cNvSpPr>
+          <p:nvPr>
+            <p:ph type="body" sz="quarter" idx="10"/>
+          </p:nvPr>
+        </p:nvSpPr>
+        <p:spPr/>
+        <p:txBody>
+          <a:bodyPr/>
+          <a:lstStyle/>
+          <a:p>
+            <a:r>
+              <a:rPr lang="en-US" dirty="0"/>
+              <a:t>Basic Usage (</a:t>
+            </a:r>
+            <a:r>
+              <a:rPr lang="en-US" dirty="0" err="1"/>
+              <a:t>Cont</a:t>
+            </a:r>
+            <a:r>
+              <a:rPr lang="en-US" dirty="0"/>
+              <a:t>…)</a:t>
+            </a:r>
+            <a:endParaRPr lang="en-GB" dirty="0"/>
+          </a:p>
+        </p:txBody>
+      </p:sp>
+      <p:sp>
+        <p:nvSpPr>
+          <p:cNvPr id="4" name="TextBox 3">
+            <a:extLst>
+              <a:ext uri="{FF2B5EF4-FFF2-40B4-BE49-F238E27FC236}">
+                <a16:creationId xmlns:a16="http://schemas.microsoft.com/office/drawing/2014/main" id="{C9D3D00F-88A4-C1FA-3DA2-22483E7234C2}"/>
+              </a:ext>
+            </a:extLst>
+          </p:cNvPr>
+          <p:cNvSpPr txBox="1"/>
+          <p:nvPr/>
+        </p:nvSpPr>
+        <p:spPr>
+          <a:xfrm>
+            <a:off x="515982" y="1064419"/>
+            <a:ext cx="11031584" cy="5651227"/>
+          </a:xfrm>
+          <a:prstGeom prst="rect">
+            <a:avLst/>
+          </a:prstGeom>
+          <a:noFill/>
+        </p:spPr>
+        <p:txBody>
+          <a:bodyPr wrap="square">
+            <a:spAutoFit/>
+          </a:bodyPr>
+          <a:lstStyle/>
+          <a:p>
+            <a:pPr algn="just">
+              <a:lnSpc>
+                <a:spcPct val="115000"/>
+              </a:lnSpc>
+              <a:spcAft>
+                <a:spcPts val="800"/>
+              </a:spcAft>
+            </a:pPr>
+            <a:r>
+              <a:rPr lang="en-IN" sz="1800" b="1" dirty="0">
+                <a:solidFill>
+                  <a:schemeClr val="accent1"/>
+                </a:solidFill>
+                <a:effectLst/>
+                <a:latin typeface="Futura Medium" panose="020B0602020204020303"/>
+                <a:ea typeface="Calibri" panose="020F0502020204030204" pitchFamily="34" charset="0"/>
+              </a:rPr>
+              <a:t>Step 4: </a:t>
+            </a:r>
+            <a:r>
+              <a:rPr lang="en-US" sz="1800" b="1" dirty="0">
+                <a:solidFill>
+                  <a:schemeClr val="accent1"/>
+                </a:solidFill>
+                <a:effectLst/>
+                <a:latin typeface="Futura Medium" panose="020B0602020204020303"/>
+                <a:ea typeface="Calibri" panose="020F0502020204030204" pitchFamily="34" charset="0"/>
+              </a:rPr>
+              <a:t>Accessing Data on the UI</a:t>
+            </a:r>
+            <a:endParaRPr lang="en-IN" sz="1800" b="1" dirty="0">
+              <a:solidFill>
+                <a:schemeClr val="accent1"/>
+              </a:solidFill>
+              <a:effectLst/>
+              <a:latin typeface="Futura Medium" panose="020B0602020204020303"/>
+              <a:ea typeface="Calibri" panose="020F0502020204030204" pitchFamily="34" charset="0"/>
+            </a:endParaRPr>
+          </a:p>
+          <a:p>
+            <a:pPr marL="285750" indent="-285750" algn="just">
+              <a:lnSpc>
+                <a:spcPct val="115000"/>
+              </a:lnSpc>
+              <a:spcAft>
+                <a:spcPts val="800"/>
+              </a:spcAft>
+              <a:buFont typeface="Arial" panose="020B0604020202020204" pitchFamily="34" charset="0"/>
+              <a:buChar char="•"/>
+            </a:pPr>
+            <a:r>
+              <a:rPr lang="en-US" sz="1600" dirty="0">
+                <a:latin typeface="Futura Medium" panose="020B0602020204020303"/>
+                <a:ea typeface="Calibri" panose="020F0502020204030204" pitchFamily="34" charset="0"/>
+              </a:rPr>
+              <a:t>The exposed hook automatically handles the loading, error and success state and many more.</a:t>
+            </a:r>
+          </a:p>
+          <a:p>
+            <a:pPr marL="285750" indent="-285750" algn="just">
+              <a:lnSpc>
+                <a:spcPct val="115000"/>
+              </a:lnSpc>
+              <a:spcAft>
+                <a:spcPts val="800"/>
+              </a:spcAft>
+              <a:buFont typeface="Arial" panose="020B0604020202020204" pitchFamily="34" charset="0"/>
+              <a:buChar char="•"/>
+            </a:pPr>
+            <a:r>
+              <a:rPr lang="en-US" sz="1600" dirty="0">
+                <a:latin typeface="Futura Medium" panose="020B0602020204020303"/>
+                <a:ea typeface="Calibri" panose="020F0502020204030204" pitchFamily="34" charset="0"/>
+              </a:rPr>
+              <a:t>Most used Query Hook Return Values</a:t>
+            </a:r>
+          </a:p>
+          <a:p>
+            <a:pPr marL="555625" indent="-285750" algn="just">
+              <a:lnSpc>
+                <a:spcPct val="115000"/>
+              </a:lnSpc>
+              <a:spcAft>
+                <a:spcPts val="800"/>
+              </a:spcAft>
+              <a:buFont typeface="Wingdings" panose="05000000000000000000" pitchFamily="2" charset="2"/>
+              <a:buChar char="Ø"/>
+            </a:pPr>
+            <a:r>
+              <a:rPr lang="en-US" sz="1400" b="1" dirty="0">
+                <a:latin typeface="Futura Medium" panose="020B0602020204020303"/>
+                <a:ea typeface="Calibri" panose="020F0502020204030204" pitchFamily="34" charset="0"/>
+              </a:rPr>
+              <a:t>data</a:t>
+            </a:r>
+            <a:r>
+              <a:rPr lang="en-US" sz="1400" dirty="0">
+                <a:latin typeface="Futura Medium" panose="020B0602020204020303"/>
+                <a:ea typeface="Calibri" panose="020F0502020204030204" pitchFamily="34" charset="0"/>
+              </a:rPr>
+              <a:t> - The latest returned result regardless of hook </a:t>
+            </a:r>
+            <a:r>
+              <a:rPr lang="en-US" sz="1400" dirty="0" err="1">
+                <a:latin typeface="Futura Medium" panose="020B0602020204020303"/>
+                <a:ea typeface="Calibri" panose="020F0502020204030204" pitchFamily="34" charset="0"/>
+              </a:rPr>
+              <a:t>arg</a:t>
+            </a:r>
+            <a:r>
+              <a:rPr lang="en-US" sz="1400" dirty="0">
+                <a:latin typeface="Futura Medium" panose="020B0602020204020303"/>
+                <a:ea typeface="Calibri" panose="020F0502020204030204" pitchFamily="34" charset="0"/>
+              </a:rPr>
+              <a:t>, if present.</a:t>
+            </a:r>
+          </a:p>
+          <a:p>
+            <a:pPr marL="555625" indent="-285750" algn="just">
+              <a:lnSpc>
+                <a:spcPct val="115000"/>
+              </a:lnSpc>
+              <a:spcAft>
+                <a:spcPts val="800"/>
+              </a:spcAft>
+              <a:buFont typeface="Wingdings" panose="05000000000000000000" pitchFamily="2" charset="2"/>
+              <a:buChar char="Ø"/>
+            </a:pPr>
+            <a:r>
+              <a:rPr lang="en-US" sz="1400" b="1" dirty="0">
+                <a:latin typeface="Futura Medium" panose="020B0602020204020303"/>
+                <a:ea typeface="Calibri" panose="020F0502020204030204" pitchFamily="34" charset="0"/>
+              </a:rPr>
+              <a:t>error</a:t>
+            </a:r>
+            <a:r>
+              <a:rPr lang="en-US" sz="1400" dirty="0">
+                <a:latin typeface="Futura Medium" panose="020B0602020204020303"/>
+                <a:ea typeface="Calibri" panose="020F0502020204030204" pitchFamily="34" charset="0"/>
+              </a:rPr>
+              <a:t> - The error result if present.</a:t>
+            </a:r>
+          </a:p>
+          <a:p>
+            <a:pPr marL="555625" indent="-285750" algn="just">
+              <a:lnSpc>
+                <a:spcPct val="115000"/>
+              </a:lnSpc>
+              <a:spcAft>
+                <a:spcPts val="800"/>
+              </a:spcAft>
+              <a:buFont typeface="Wingdings" panose="05000000000000000000" pitchFamily="2" charset="2"/>
+              <a:buChar char="Ø"/>
+            </a:pPr>
+            <a:r>
+              <a:rPr lang="en-US" sz="1400" b="1" dirty="0" err="1">
+                <a:latin typeface="Futura Medium" panose="020B0602020204020303"/>
+                <a:ea typeface="Calibri" panose="020F0502020204030204" pitchFamily="34" charset="0"/>
+              </a:rPr>
+              <a:t>isUninitialized</a:t>
+            </a:r>
+            <a:r>
+              <a:rPr lang="en-US" sz="1400" dirty="0">
+                <a:latin typeface="Futura Medium" panose="020B0602020204020303"/>
+                <a:ea typeface="Calibri" panose="020F0502020204030204" pitchFamily="34" charset="0"/>
+              </a:rPr>
+              <a:t> - When true, indicates that the query has not started yet.</a:t>
+            </a:r>
+          </a:p>
+          <a:p>
+            <a:pPr marL="555625" indent="-285750" algn="just">
+              <a:lnSpc>
+                <a:spcPct val="115000"/>
+              </a:lnSpc>
+              <a:spcAft>
+                <a:spcPts val="800"/>
+              </a:spcAft>
+              <a:buFont typeface="Wingdings" panose="05000000000000000000" pitchFamily="2" charset="2"/>
+              <a:buChar char="Ø"/>
+            </a:pPr>
+            <a:r>
+              <a:rPr lang="en-US" sz="1400" b="1" dirty="0" err="1">
+                <a:latin typeface="Futura Medium" panose="020B0602020204020303"/>
+                <a:ea typeface="Calibri" panose="020F0502020204030204" pitchFamily="34" charset="0"/>
+              </a:rPr>
+              <a:t>isLoading</a:t>
+            </a:r>
+            <a:r>
+              <a:rPr lang="en-US" sz="1400" dirty="0">
+                <a:latin typeface="Futura Medium" panose="020B0602020204020303"/>
+                <a:ea typeface="Calibri" panose="020F0502020204030204" pitchFamily="34" charset="0"/>
+              </a:rPr>
+              <a:t> - When true, indicates that the query is currently loading for the first time, and has no data yet. This will be true for the first request fired off, but not for subsequent requests.</a:t>
+            </a:r>
+          </a:p>
+          <a:p>
+            <a:pPr marL="555625" indent="-285750" algn="just">
+              <a:lnSpc>
+                <a:spcPct val="115000"/>
+              </a:lnSpc>
+              <a:spcAft>
+                <a:spcPts val="800"/>
+              </a:spcAft>
+              <a:buFont typeface="Wingdings" panose="05000000000000000000" pitchFamily="2" charset="2"/>
+              <a:buChar char="Ø"/>
+            </a:pPr>
+            <a:r>
+              <a:rPr lang="en-US" sz="1400" b="1" dirty="0" err="1">
+                <a:latin typeface="Futura Medium" panose="020B0602020204020303"/>
+                <a:ea typeface="Calibri" panose="020F0502020204030204" pitchFamily="34" charset="0"/>
+              </a:rPr>
+              <a:t>isFetching</a:t>
+            </a:r>
+            <a:r>
+              <a:rPr lang="en-US" sz="1400" dirty="0">
+                <a:latin typeface="Futura Medium" panose="020B0602020204020303"/>
+                <a:ea typeface="Calibri" panose="020F0502020204030204" pitchFamily="34" charset="0"/>
+              </a:rPr>
+              <a:t> - When true, indicates that the query is currently fetching, but might have data from an earlier request. This will be true for both the first request fired off, as well as subsequent requests.</a:t>
+            </a:r>
+          </a:p>
+          <a:p>
+            <a:pPr marL="555625" indent="-285750" algn="just">
+              <a:lnSpc>
+                <a:spcPct val="115000"/>
+              </a:lnSpc>
+              <a:spcAft>
+                <a:spcPts val="800"/>
+              </a:spcAft>
+              <a:buFont typeface="Wingdings" panose="05000000000000000000" pitchFamily="2" charset="2"/>
+              <a:buChar char="Ø"/>
+            </a:pPr>
+            <a:r>
+              <a:rPr lang="en-US" sz="1400" b="1" dirty="0" err="1">
+                <a:latin typeface="Futura Medium" panose="020B0602020204020303"/>
+                <a:ea typeface="Calibri" panose="020F0502020204030204" pitchFamily="34" charset="0"/>
+              </a:rPr>
+              <a:t>isSuccess</a:t>
+            </a:r>
+            <a:r>
+              <a:rPr lang="en-US" sz="1400" dirty="0">
+                <a:latin typeface="Futura Medium" panose="020B0602020204020303"/>
+                <a:ea typeface="Calibri" panose="020F0502020204030204" pitchFamily="34" charset="0"/>
+              </a:rPr>
+              <a:t> - When true, indicates that the query has data from a successful request.</a:t>
+            </a:r>
+          </a:p>
+          <a:p>
+            <a:pPr marL="555625" indent="-285750" algn="just">
+              <a:lnSpc>
+                <a:spcPct val="115000"/>
+              </a:lnSpc>
+              <a:spcAft>
+                <a:spcPts val="800"/>
+              </a:spcAft>
+              <a:buFont typeface="Wingdings" panose="05000000000000000000" pitchFamily="2" charset="2"/>
+              <a:buChar char="Ø"/>
+            </a:pPr>
+            <a:r>
+              <a:rPr lang="en-US" sz="1400" b="1" dirty="0" err="1">
+                <a:latin typeface="Futura Medium" panose="020B0602020204020303"/>
+                <a:ea typeface="Calibri" panose="020F0502020204030204" pitchFamily="34" charset="0"/>
+              </a:rPr>
+              <a:t>isError</a:t>
+            </a:r>
+            <a:r>
+              <a:rPr lang="en-US" sz="1400" dirty="0">
+                <a:latin typeface="Futura Medium" panose="020B0602020204020303"/>
+                <a:ea typeface="Calibri" panose="020F0502020204030204" pitchFamily="34" charset="0"/>
+              </a:rPr>
+              <a:t> - When true, indicates that the query is in an error state.</a:t>
+            </a:r>
+          </a:p>
+          <a:p>
+            <a:pPr marL="555625" indent="-285750" algn="just">
+              <a:lnSpc>
+                <a:spcPct val="115000"/>
+              </a:lnSpc>
+              <a:spcAft>
+                <a:spcPts val="800"/>
+              </a:spcAft>
+              <a:buFont typeface="Wingdings" panose="05000000000000000000" pitchFamily="2" charset="2"/>
+              <a:buChar char="Ø"/>
+            </a:pPr>
+            <a:r>
+              <a:rPr lang="en-US" sz="1400" b="1" dirty="0" err="1">
+                <a:latin typeface="Futura Medium" panose="020B0602020204020303"/>
+                <a:ea typeface="Calibri" panose="020F0502020204030204" pitchFamily="34" charset="0"/>
+              </a:rPr>
+              <a:t>refetch</a:t>
+            </a:r>
+            <a:r>
+              <a:rPr lang="en-US" sz="1400" dirty="0">
+                <a:latin typeface="Futura Medium" panose="020B0602020204020303"/>
+                <a:ea typeface="Calibri" panose="020F0502020204030204" pitchFamily="34" charset="0"/>
+              </a:rPr>
+              <a:t> - A function to force </a:t>
+            </a:r>
+            <a:r>
+              <a:rPr lang="en-US" sz="1400" dirty="0" err="1">
+                <a:latin typeface="Futura Medium" panose="020B0602020204020303"/>
+                <a:ea typeface="Calibri" panose="020F0502020204030204" pitchFamily="34" charset="0"/>
+              </a:rPr>
+              <a:t>refetch</a:t>
+            </a:r>
+            <a:r>
+              <a:rPr lang="en-US" sz="1400" dirty="0">
+                <a:latin typeface="Futura Medium" panose="020B0602020204020303"/>
+                <a:ea typeface="Calibri" panose="020F0502020204030204" pitchFamily="34" charset="0"/>
+              </a:rPr>
+              <a:t> the query</a:t>
+            </a:r>
+          </a:p>
+          <a:p>
+            <a:pPr algn="just">
+              <a:lnSpc>
+                <a:spcPct val="115000"/>
+              </a:lnSpc>
+              <a:spcAft>
+                <a:spcPts val="800"/>
+              </a:spcAft>
+            </a:pPr>
+            <a:endParaRPr lang="en-US" b="1" dirty="0">
+              <a:solidFill>
+                <a:schemeClr val="accent1"/>
+              </a:solidFill>
+              <a:latin typeface="Futura Medium" panose="020B0602020204020303"/>
+            </a:endParaRPr>
+          </a:p>
+          <a:p>
+            <a:pPr algn="just">
+              <a:lnSpc>
+                <a:spcPct val="115000"/>
+              </a:lnSpc>
+              <a:spcAft>
+                <a:spcPts val="800"/>
+              </a:spcAft>
+            </a:pPr>
+            <a:r>
+              <a:rPr lang="en-US" b="1" dirty="0">
+                <a:solidFill>
+                  <a:schemeClr val="accent1"/>
+                </a:solidFill>
+                <a:latin typeface="Futura Medium" panose="020B0602020204020303"/>
+              </a:rPr>
+              <a:t>Step 5: Use Hooks in Components</a:t>
+            </a:r>
+          </a:p>
+          <a:p>
+            <a:pPr marL="555625" indent="-285750" algn="just">
+              <a:lnSpc>
+                <a:spcPct val="115000"/>
+              </a:lnSpc>
+              <a:spcAft>
+                <a:spcPts val="800"/>
+              </a:spcAft>
+              <a:buFont typeface="Wingdings" panose="05000000000000000000" pitchFamily="2" charset="2"/>
+              <a:buChar char="Ø"/>
+            </a:pPr>
+            <a:endParaRPr lang="en-US" sz="1400" dirty="0">
+              <a:latin typeface="Futura Medium" panose="020B0602020204020303"/>
+              <a:ea typeface="Calibri" panose="020F0502020204030204" pitchFamily="34" charset="0"/>
+            </a:endParaRPr>
+          </a:p>
+        </p:txBody>
+      </p:sp>
+    </p:spTree>
+    <p:extLst>
+      <p:ext uri="{BB962C8B-B14F-4D97-AF65-F5344CB8AC3E}">
+        <p14:creationId xmlns:p14="http://schemas.microsoft.com/office/powerpoint/2010/main" val="3017284864"/>
+      </p:ext>
+    </p:extLst>
+  </p:cSld>
+  <p:clrMapOvr>
+    <a:masterClrMapping/>
+  </p:clrMapOvr>
+</p:sld>
+</file>
+
+<file path=ppt/slides/slide15.xml><?xml version="1.0" encoding="utf-8"?>
+<p:sld xmlns:a="http://schemas.openxmlformats.org/drawingml/2006/main" xmlns:r="http://schemas.openxmlformats.org/officeDocument/2006/relationships" xmlns:p="http://schemas.openxmlformats.org/presentationml/2006/main">
+  <p:cSld>
+    <p:spTree>
+      <p:nvGrpSpPr>
+        <p:cNvPr id="1" name=""/>
+        <p:cNvGrpSpPr/>
+        <p:nvPr/>
+      </p:nvGrpSpPr>
+      <p:grpSpPr>
+        <a:xfrm>
+          <a:off x="0" y="0"/>
+          <a:ext cx="0" cy="0"/>
+          <a:chOff x="0" y="0"/>
+          <a:chExt cx="0" cy="0"/>
+        </a:xfrm>
+      </p:grpSpPr>
+      <p:sp>
+        <p:nvSpPr>
+          <p:cNvPr id="2" name="Text Placeholder 1">
+            <a:extLst>
+              <a:ext uri="{FF2B5EF4-FFF2-40B4-BE49-F238E27FC236}">
+                <a16:creationId xmlns:a16="http://schemas.microsoft.com/office/drawing/2014/main" id="{54BC5037-2642-418B-B1A6-547135EC0BDD}"/>
+              </a:ext>
+            </a:extLst>
+          </p:cNvPr>
+          <p:cNvSpPr>
+            <a:spLocks noGrp="1"/>
+          </p:cNvSpPr>
+          <p:nvPr>
+            <p:ph type="body" sz="quarter" idx="10"/>
+          </p:nvPr>
+        </p:nvSpPr>
+        <p:spPr/>
+        <p:txBody>
+          <a:bodyPr/>
+          <a:lstStyle/>
+          <a:p>
+            <a:r>
+              <a:rPr lang="en-US" dirty="0"/>
+              <a:t>Basic Usage (</a:t>
+            </a:r>
+            <a:r>
+              <a:rPr lang="en-US" dirty="0" err="1"/>
+              <a:t>Cont</a:t>
+            </a:r>
+            <a:r>
+              <a:rPr lang="en-US" dirty="0"/>
+              <a:t>…)</a:t>
+            </a:r>
+            <a:endParaRPr lang="en-GB" dirty="0"/>
+          </a:p>
+        </p:txBody>
+      </p:sp>
+      <p:sp>
+        <p:nvSpPr>
+          <p:cNvPr id="4" name="TextBox 3">
+            <a:extLst>
+              <a:ext uri="{FF2B5EF4-FFF2-40B4-BE49-F238E27FC236}">
+                <a16:creationId xmlns:a16="http://schemas.microsoft.com/office/drawing/2014/main" id="{C9D3D00F-88A4-C1FA-3DA2-22483E7234C2}"/>
+              </a:ext>
+            </a:extLst>
+          </p:cNvPr>
+          <p:cNvSpPr txBox="1"/>
+          <p:nvPr/>
+        </p:nvSpPr>
+        <p:spPr>
+          <a:xfrm>
+            <a:off x="515982" y="1064419"/>
+            <a:ext cx="11031584" cy="3832716"/>
+          </a:xfrm>
+          <a:prstGeom prst="rect">
+            <a:avLst/>
+          </a:prstGeom>
+          <a:noFill/>
+        </p:spPr>
+        <p:txBody>
+          <a:bodyPr wrap="square">
+            <a:spAutoFit/>
+          </a:bodyPr>
+          <a:lstStyle/>
+          <a:p>
+            <a:pPr algn="just">
+              <a:lnSpc>
+                <a:spcPct val="115000"/>
+              </a:lnSpc>
+              <a:spcAft>
+                <a:spcPts val="800"/>
+              </a:spcAft>
+            </a:pPr>
+            <a:r>
+              <a:rPr lang="en-IN" sz="1800" b="1" dirty="0">
+                <a:solidFill>
+                  <a:schemeClr val="accent1"/>
+                </a:solidFill>
+                <a:effectLst/>
+                <a:latin typeface="Futura Medium" panose="020B0602020204020303"/>
+                <a:ea typeface="Calibri" panose="020F0502020204030204" pitchFamily="34" charset="0"/>
+              </a:rPr>
+              <a:t>Step 6: </a:t>
+            </a:r>
+            <a:r>
+              <a:rPr lang="en-US" sz="1800" b="1" dirty="0">
+                <a:solidFill>
+                  <a:schemeClr val="accent1"/>
+                </a:solidFill>
+                <a:effectLst/>
+                <a:latin typeface="Futura Medium" panose="020B0602020204020303"/>
+                <a:ea typeface="Calibri" panose="020F0502020204030204" pitchFamily="34" charset="0"/>
+              </a:rPr>
+              <a:t>Updating and re-fetching </a:t>
+            </a:r>
+            <a:endParaRPr lang="en-IN" b="1" dirty="0">
+              <a:solidFill>
+                <a:schemeClr val="accent1"/>
+              </a:solidFill>
+              <a:latin typeface="Futura Medium" panose="020B0602020204020303"/>
+              <a:ea typeface="Calibri" panose="020F0502020204030204" pitchFamily="34" charset="0"/>
+            </a:endParaRPr>
+          </a:p>
+          <a:p>
+            <a:pPr algn="just">
+              <a:lnSpc>
+                <a:spcPct val="115000"/>
+              </a:lnSpc>
+              <a:spcAft>
+                <a:spcPts val="800"/>
+              </a:spcAft>
+            </a:pPr>
+            <a:r>
+              <a:rPr lang="en-US" sz="1600" b="1" dirty="0">
+                <a:effectLst/>
+                <a:latin typeface="Futura Medium" panose="020B0602020204020303"/>
+                <a:ea typeface="Calibri" panose="020F0502020204030204" pitchFamily="34" charset="0"/>
+              </a:rPr>
+              <a:t>Cache </a:t>
+            </a:r>
+            <a:r>
+              <a:rPr lang="en-US" sz="1600" b="1" dirty="0" err="1">
+                <a:effectLst/>
+                <a:latin typeface="Futura Medium" panose="020B0602020204020303"/>
+                <a:ea typeface="Calibri" panose="020F0502020204030204" pitchFamily="34" charset="0"/>
+              </a:rPr>
+              <a:t>Behaviour</a:t>
+            </a:r>
+            <a:endParaRPr lang="en-US" sz="1600" dirty="0">
+              <a:effectLst/>
+              <a:latin typeface="Futura Medium" panose="020B0602020204020303"/>
+              <a:ea typeface="Calibri" panose="020F0502020204030204" pitchFamily="34" charset="0"/>
+            </a:endParaRPr>
+          </a:p>
+          <a:p>
+            <a:pPr marL="285750" indent="-285750" algn="just">
+              <a:lnSpc>
+                <a:spcPct val="115000"/>
+              </a:lnSpc>
+              <a:spcAft>
+                <a:spcPts val="800"/>
+              </a:spcAft>
+              <a:buFont typeface="Arial" panose="020B0604020202020204" pitchFamily="34" charset="0"/>
+              <a:buChar char="•"/>
+            </a:pPr>
+            <a:r>
+              <a:rPr lang="en-US" sz="1600" dirty="0">
+                <a:effectLst/>
+                <a:latin typeface="Futura Medium" panose="020B0602020204020303"/>
+                <a:ea typeface="Calibri" panose="020F0502020204030204" pitchFamily="34" charset="0"/>
+              </a:rPr>
+              <a:t>When data is fetched from the server or backend, RTK Query will store the data in the Redux store as a ‘cache’. When an additional request is performed for the same data, RTK Query will provide the existing cached data rather than sending an additional request to the server.</a:t>
+            </a:r>
+          </a:p>
+          <a:p>
+            <a:pPr marL="285750" indent="-285750" algn="just">
+              <a:lnSpc>
+                <a:spcPct val="115000"/>
+              </a:lnSpc>
+              <a:spcAft>
+                <a:spcPts val="800"/>
+              </a:spcAft>
+              <a:buFont typeface="Arial" panose="020B0604020202020204" pitchFamily="34" charset="0"/>
+              <a:buChar char="•"/>
+            </a:pPr>
+            <a:r>
+              <a:rPr lang="en-US" sz="1600" dirty="0">
+                <a:effectLst/>
+                <a:latin typeface="Futura Medium" panose="020B0602020204020303"/>
+                <a:ea typeface="Calibri" panose="020F0502020204030204" pitchFamily="34" charset="0"/>
+              </a:rPr>
+              <a:t>The cache </a:t>
+            </a:r>
+            <a:r>
+              <a:rPr lang="en-US" sz="1600" dirty="0" err="1">
+                <a:effectLst/>
+                <a:latin typeface="Futura Medium" panose="020B0602020204020303"/>
+                <a:ea typeface="Calibri" panose="020F0502020204030204" pitchFamily="34" charset="0"/>
+              </a:rPr>
+              <a:t>behaviour</a:t>
+            </a:r>
+            <a:r>
+              <a:rPr lang="en-US" sz="1600" dirty="0">
+                <a:effectLst/>
+                <a:latin typeface="Futura Medium" panose="020B0602020204020303"/>
+                <a:ea typeface="Calibri" panose="020F0502020204030204" pitchFamily="34" charset="0"/>
+              </a:rPr>
+              <a:t> and lifetime can be manipulated by </a:t>
+            </a:r>
+            <a:r>
+              <a:rPr lang="en-US" sz="1600" b="1" dirty="0" err="1">
+                <a:effectLst/>
+                <a:latin typeface="Futura Medium" panose="020B0602020204020303"/>
+                <a:ea typeface="Calibri" panose="020F0502020204030204" pitchFamily="34" charset="0"/>
+              </a:rPr>
+              <a:t>keepUnusedDataFor</a:t>
+            </a:r>
+            <a:r>
+              <a:rPr lang="en-US" sz="1600" dirty="0">
+                <a:effectLst/>
+                <a:latin typeface="Futura Medium" panose="020B0602020204020303"/>
+                <a:ea typeface="Calibri" panose="020F0502020204030204" pitchFamily="34" charset="0"/>
+              </a:rPr>
+              <a:t> </a:t>
+            </a:r>
+          </a:p>
+          <a:p>
+            <a:pPr algn="just">
+              <a:lnSpc>
+                <a:spcPct val="115000"/>
+              </a:lnSpc>
+              <a:spcAft>
+                <a:spcPts val="800"/>
+              </a:spcAft>
+            </a:pPr>
+            <a:r>
+              <a:rPr lang="en-US" sz="1600" b="1" dirty="0" err="1">
+                <a:effectLst/>
+                <a:latin typeface="Futura Medium" panose="020B0602020204020303"/>
+                <a:ea typeface="Calibri" panose="020F0502020204030204" pitchFamily="34" charset="0"/>
+              </a:rPr>
+              <a:t>refetch</a:t>
+            </a:r>
+            <a:r>
+              <a:rPr lang="en-US" sz="1600" b="1" dirty="0">
+                <a:effectLst/>
+                <a:latin typeface="Futura Medium" panose="020B0602020204020303"/>
+                <a:ea typeface="Calibri" panose="020F0502020204030204" pitchFamily="34" charset="0"/>
+              </a:rPr>
+              <a:t>()</a:t>
+            </a:r>
+            <a:endParaRPr lang="en-US" sz="1600" dirty="0">
+              <a:effectLst/>
+              <a:latin typeface="Futura Medium" panose="020B0602020204020303"/>
+              <a:ea typeface="Calibri" panose="020F0502020204030204" pitchFamily="34" charset="0"/>
+            </a:endParaRPr>
+          </a:p>
+          <a:p>
+            <a:pPr marL="285750" indent="-285750" algn="just">
+              <a:lnSpc>
+                <a:spcPct val="115000"/>
+              </a:lnSpc>
+              <a:spcAft>
+                <a:spcPts val="800"/>
+              </a:spcAft>
+              <a:buFont typeface="Arial" panose="020B0604020202020204" pitchFamily="34" charset="0"/>
+              <a:buChar char="•"/>
+            </a:pPr>
+            <a:r>
+              <a:rPr lang="en-US" sz="1600" dirty="0">
+                <a:effectLst/>
+                <a:latin typeface="Futura Medium" panose="020B0602020204020303"/>
+                <a:ea typeface="Calibri" panose="020F0502020204030204" pitchFamily="34" charset="0"/>
+              </a:rPr>
+              <a:t>Calling the re-fetch function will forcefully re-fetch the associate query.</a:t>
+            </a:r>
+          </a:p>
+          <a:p>
+            <a:pPr marL="285750" indent="-285750" algn="just">
+              <a:lnSpc>
+                <a:spcPct val="115000"/>
+              </a:lnSpc>
+              <a:spcAft>
+                <a:spcPts val="800"/>
+              </a:spcAft>
+              <a:buFont typeface="Arial" panose="020B0604020202020204" pitchFamily="34" charset="0"/>
+              <a:buChar char="•"/>
+            </a:pPr>
+            <a:r>
+              <a:rPr lang="en-US" sz="1600" dirty="0">
+                <a:effectLst/>
+                <a:latin typeface="Futura Medium" panose="020B0602020204020303"/>
+                <a:ea typeface="Calibri" panose="020F0502020204030204" pitchFamily="34" charset="0"/>
+              </a:rPr>
+              <a:t>In Redux Toolkit Query, the concept of "</a:t>
+            </a:r>
+            <a:r>
+              <a:rPr lang="en-US" sz="1600" dirty="0" err="1">
+                <a:effectLst/>
+                <a:latin typeface="Futura Medium" panose="020B0602020204020303"/>
+                <a:ea typeface="Calibri" panose="020F0502020204030204" pitchFamily="34" charset="0"/>
+              </a:rPr>
+              <a:t>refetching</a:t>
+            </a:r>
+            <a:r>
+              <a:rPr lang="en-US" sz="1600" dirty="0">
+                <a:effectLst/>
+                <a:latin typeface="Futura Medium" panose="020B0602020204020303"/>
+                <a:ea typeface="Calibri" panose="020F0502020204030204" pitchFamily="34" charset="0"/>
+              </a:rPr>
+              <a:t>" refers to the ability to manually request or refresh data from an endpoint without relying on the automatic caching and invalidation. This can be useful in scenarios where we need to force a new request to update the data.</a:t>
+            </a:r>
+          </a:p>
+        </p:txBody>
+      </p:sp>
+    </p:spTree>
+    <p:extLst>
+      <p:ext uri="{BB962C8B-B14F-4D97-AF65-F5344CB8AC3E}">
+        <p14:creationId xmlns:p14="http://schemas.microsoft.com/office/powerpoint/2010/main" val="414271663"/>
+      </p:ext>
+    </p:extLst>
+  </p:cSld>
+  <p:clrMapOvr>
+    <a:masterClrMapping/>
+  </p:clrMapOvr>
+</p:sld>
+</file>
+
+<file path=ppt/slides/slide16.xml><?xml version="1.0" encoding="utf-8"?>
+<p:sld xmlns:a="http://schemas.openxmlformats.org/drawingml/2006/main" xmlns:r="http://schemas.openxmlformats.org/officeDocument/2006/relationships" xmlns:p="http://schemas.openxmlformats.org/presentationml/2006/main">
+  <p:cSld>
+    <p:spTree>
+      <p:nvGrpSpPr>
+        <p:cNvPr id="1" name=""/>
+        <p:cNvGrpSpPr/>
+        <p:nvPr/>
+      </p:nvGrpSpPr>
+      <p:grpSpPr>
+        <a:xfrm>
+          <a:off x="0" y="0"/>
+          <a:ext cx="0" cy="0"/>
+          <a:chOff x="0" y="0"/>
+          <a:chExt cx="0" cy="0"/>
+        </a:xfrm>
+      </p:grpSpPr>
+      <p:sp>
+        <p:nvSpPr>
+          <p:cNvPr id="2" name="Text Placeholder 1">
+            <a:extLst>
+              <a:ext uri="{FF2B5EF4-FFF2-40B4-BE49-F238E27FC236}">
+                <a16:creationId xmlns:a16="http://schemas.microsoft.com/office/drawing/2014/main" id="{54BC5037-2642-418B-B1A6-547135EC0BDD}"/>
+              </a:ext>
+            </a:extLst>
+          </p:cNvPr>
+          <p:cNvSpPr>
+            <a:spLocks noGrp="1"/>
+          </p:cNvSpPr>
+          <p:nvPr>
+            <p:ph type="body" sz="quarter" idx="10"/>
+          </p:nvPr>
+        </p:nvSpPr>
+        <p:spPr/>
+        <p:txBody>
+          <a:bodyPr/>
+          <a:lstStyle/>
+          <a:p>
+            <a:r>
+              <a:rPr lang="en-US" dirty="0"/>
+              <a:t>Basic Usage (</a:t>
+            </a:r>
+            <a:r>
+              <a:rPr lang="en-US" dirty="0" err="1"/>
+              <a:t>Cont</a:t>
+            </a:r>
+            <a:r>
+              <a:rPr lang="en-US" dirty="0"/>
+              <a:t>…)</a:t>
+            </a:r>
+            <a:endParaRPr lang="en-GB" dirty="0"/>
+          </a:p>
+        </p:txBody>
+      </p:sp>
+      <p:sp>
+        <p:nvSpPr>
+          <p:cNvPr id="4" name="TextBox 3">
+            <a:extLst>
+              <a:ext uri="{FF2B5EF4-FFF2-40B4-BE49-F238E27FC236}">
+                <a16:creationId xmlns:a16="http://schemas.microsoft.com/office/drawing/2014/main" id="{C9D3D00F-88A4-C1FA-3DA2-22483E7234C2}"/>
+              </a:ext>
+            </a:extLst>
+          </p:cNvPr>
+          <p:cNvSpPr txBox="1"/>
+          <p:nvPr/>
+        </p:nvSpPr>
+        <p:spPr>
+          <a:xfrm>
+            <a:off x="515982" y="1064419"/>
+            <a:ext cx="11031584" cy="4285660"/>
+          </a:xfrm>
+          <a:prstGeom prst="rect">
+            <a:avLst/>
+          </a:prstGeom>
+          <a:noFill/>
+        </p:spPr>
+        <p:txBody>
+          <a:bodyPr wrap="square">
+            <a:spAutoFit/>
+          </a:bodyPr>
+          <a:lstStyle/>
+          <a:p>
+            <a:pPr algn="just">
+              <a:lnSpc>
+                <a:spcPct val="115000"/>
+              </a:lnSpc>
+              <a:spcAft>
+                <a:spcPts val="800"/>
+              </a:spcAft>
+            </a:pPr>
+            <a:r>
+              <a:rPr lang="en-US" sz="1600" b="1" dirty="0">
+                <a:effectLst/>
+                <a:latin typeface="Futura Medium" panose="020B0602020204020303"/>
+                <a:ea typeface="Calibri" panose="020F0502020204030204" pitchFamily="34" charset="0"/>
+              </a:rPr>
+              <a:t>Automated Re-fetching in RTK Query</a:t>
+            </a:r>
+          </a:p>
+          <a:p>
+            <a:pPr marL="285750" indent="-285750" algn="just">
+              <a:lnSpc>
+                <a:spcPct val="115000"/>
+              </a:lnSpc>
+              <a:spcAft>
+                <a:spcPts val="800"/>
+              </a:spcAft>
+              <a:buFont typeface="Arial" panose="020B0604020202020204" pitchFamily="34" charset="0"/>
+              <a:buChar char="•"/>
+            </a:pPr>
+            <a:r>
+              <a:rPr lang="en-US" sz="1600" dirty="0">
+                <a:latin typeface="Futura Medium" panose="020B0602020204020303"/>
+                <a:ea typeface="Calibri" panose="020F0502020204030204" pitchFamily="34" charset="0"/>
+              </a:rPr>
+              <a:t>A</a:t>
+            </a:r>
+            <a:r>
+              <a:rPr lang="en-US" sz="1600" dirty="0">
+                <a:effectLst/>
+                <a:latin typeface="Futura Medium" panose="020B0602020204020303"/>
+                <a:ea typeface="Calibri" panose="020F0502020204030204" pitchFamily="34" charset="0"/>
+              </a:rPr>
+              <a:t>utomated </a:t>
+            </a:r>
+            <a:r>
+              <a:rPr lang="en-US" sz="1600" dirty="0" err="1">
+                <a:effectLst/>
+                <a:latin typeface="Futura Medium" panose="020B0602020204020303"/>
+                <a:ea typeface="Calibri" panose="020F0502020204030204" pitchFamily="34" charset="0"/>
+              </a:rPr>
+              <a:t>refetch</a:t>
+            </a:r>
+            <a:r>
+              <a:rPr lang="en-US" sz="1600" dirty="0">
+                <a:effectLst/>
+                <a:latin typeface="Futura Medium" panose="020B0602020204020303"/>
+                <a:ea typeface="Calibri" panose="020F0502020204030204" pitchFamily="34" charset="0"/>
+              </a:rPr>
+              <a:t> in RTK which works so on the whole API level as well as individual endpoint level.</a:t>
+            </a:r>
+          </a:p>
+          <a:p>
+            <a:pPr marL="285750" indent="-285750" algn="just">
+              <a:lnSpc>
+                <a:spcPct val="115000"/>
+              </a:lnSpc>
+              <a:spcAft>
+                <a:spcPts val="800"/>
+              </a:spcAft>
+              <a:buFont typeface="Arial" panose="020B0604020202020204" pitchFamily="34" charset="0"/>
+              <a:buChar char="•"/>
+            </a:pPr>
+            <a:r>
+              <a:rPr lang="en-US" sz="1600" dirty="0">
+                <a:effectLst/>
+                <a:latin typeface="Futura Medium" panose="020B0602020204020303"/>
+                <a:ea typeface="Calibri" panose="020F0502020204030204" pitchFamily="34" charset="0"/>
+              </a:rPr>
+              <a:t>RTK Query allows us to use "tags" to help manage and control the data fetching process.</a:t>
+            </a:r>
+          </a:p>
+          <a:p>
+            <a:pPr marL="539750" indent="-269875" algn="just">
+              <a:lnSpc>
+                <a:spcPct val="115000"/>
+              </a:lnSpc>
+              <a:spcAft>
+                <a:spcPts val="800"/>
+              </a:spcAft>
+            </a:pPr>
+            <a:r>
+              <a:rPr lang="en-US" sz="1600" b="1" dirty="0" err="1">
+                <a:effectLst/>
+                <a:latin typeface="Futura Medium" panose="020B0602020204020303"/>
+                <a:ea typeface="Calibri" panose="020F0502020204030204" pitchFamily="34" charset="0"/>
+              </a:rPr>
+              <a:t>TagTypes</a:t>
+            </a:r>
+            <a:r>
+              <a:rPr lang="en-US" sz="1600" b="1" dirty="0">
+                <a:effectLst/>
+                <a:latin typeface="Futura Medium" panose="020B0602020204020303"/>
+                <a:ea typeface="Calibri" panose="020F0502020204030204" pitchFamily="34" charset="0"/>
+              </a:rPr>
+              <a:t> –</a:t>
+            </a:r>
+          </a:p>
+          <a:p>
+            <a:pPr marL="269875" algn="just">
+              <a:lnSpc>
+                <a:spcPct val="115000"/>
+              </a:lnSpc>
+              <a:spcAft>
+                <a:spcPts val="800"/>
+              </a:spcAft>
+            </a:pPr>
+            <a:r>
+              <a:rPr lang="en-US" sz="1600" dirty="0">
+                <a:effectLst/>
+                <a:latin typeface="Futura Medium" panose="020B0602020204020303"/>
+                <a:ea typeface="Calibri" panose="020F0502020204030204" pitchFamily="34" charset="0"/>
+              </a:rPr>
+              <a:t>Tags are just a label attached to the cached data for controlling caching and invalidation </a:t>
+            </a:r>
+            <a:r>
+              <a:rPr lang="en-US" sz="1600" dirty="0" err="1">
+                <a:effectLst/>
+                <a:latin typeface="Futura Medium" panose="020B0602020204020303"/>
+                <a:ea typeface="Calibri" panose="020F0502020204030204" pitchFamily="34" charset="0"/>
+              </a:rPr>
+              <a:t>behaviour</a:t>
+            </a:r>
+            <a:r>
+              <a:rPr lang="en-US" sz="1600" dirty="0">
+                <a:effectLst/>
+                <a:latin typeface="Futura Medium" panose="020B0602020204020303"/>
+                <a:ea typeface="Calibri" panose="020F0502020204030204" pitchFamily="34" charset="0"/>
+              </a:rPr>
+              <a:t> for re-fetching purposes.</a:t>
+            </a:r>
+          </a:p>
+          <a:p>
+            <a:pPr marL="539750" indent="-269875" algn="just">
+              <a:lnSpc>
+                <a:spcPct val="115000"/>
+              </a:lnSpc>
+              <a:spcAft>
+                <a:spcPts val="800"/>
+              </a:spcAft>
+            </a:pPr>
+            <a:r>
+              <a:rPr lang="en-US" sz="1600" b="1" dirty="0" err="1">
+                <a:effectLst/>
+                <a:latin typeface="Futura Medium" panose="020B0602020204020303"/>
+                <a:ea typeface="Calibri" panose="020F0502020204030204" pitchFamily="34" charset="0"/>
+              </a:rPr>
+              <a:t>ProvidesTags</a:t>
+            </a:r>
+            <a:r>
+              <a:rPr lang="en-US" sz="1600" b="1" dirty="0">
+                <a:effectLst/>
+                <a:latin typeface="Futura Medium" panose="020B0602020204020303"/>
+                <a:ea typeface="Calibri" panose="020F0502020204030204" pitchFamily="34" charset="0"/>
+              </a:rPr>
+              <a:t> –</a:t>
+            </a:r>
+          </a:p>
+          <a:p>
+            <a:pPr marL="269875" algn="just">
+              <a:lnSpc>
+                <a:spcPct val="115000"/>
+              </a:lnSpc>
+              <a:spcAft>
+                <a:spcPts val="800"/>
+              </a:spcAft>
+            </a:pPr>
+            <a:r>
+              <a:rPr lang="en-US" sz="1600" dirty="0">
+                <a:effectLst/>
+                <a:latin typeface="Futura Medium" panose="020B0602020204020303"/>
+                <a:ea typeface="Calibri" panose="020F0502020204030204" pitchFamily="34" charset="0"/>
+              </a:rPr>
+              <a:t>A query can have its cached data provide tags. Doing so determines which 'tag' is attached to the cached data returned by the query.</a:t>
+            </a:r>
+            <a:endParaRPr lang="en-US" sz="1600" dirty="0">
+              <a:latin typeface="Futura Medium" panose="020B0602020204020303"/>
+              <a:ea typeface="Calibri" panose="020F0502020204030204" pitchFamily="34" charset="0"/>
+            </a:endParaRPr>
+          </a:p>
+          <a:p>
+            <a:pPr marL="269875" algn="just">
+              <a:lnSpc>
+                <a:spcPct val="115000"/>
+              </a:lnSpc>
+              <a:spcAft>
+                <a:spcPts val="800"/>
+              </a:spcAft>
+            </a:pPr>
+            <a:r>
+              <a:rPr lang="en-US" sz="1600" b="1" dirty="0" err="1">
+                <a:effectLst/>
+                <a:latin typeface="Futura Medium" panose="020B0602020204020303"/>
+                <a:ea typeface="Calibri" panose="020F0502020204030204" pitchFamily="34" charset="0"/>
+              </a:rPr>
+              <a:t>InvalidatesTags</a:t>
+            </a:r>
+            <a:r>
+              <a:rPr lang="en-US" sz="1600" b="1" dirty="0">
+                <a:effectLst/>
+                <a:latin typeface="Futura Medium" panose="020B0602020204020303"/>
+                <a:ea typeface="Calibri" panose="020F0502020204030204" pitchFamily="34" charset="0"/>
+              </a:rPr>
+              <a:t> –</a:t>
+            </a:r>
+          </a:p>
+          <a:p>
+            <a:pPr marL="269875" algn="just">
+              <a:lnSpc>
+                <a:spcPct val="115000"/>
+              </a:lnSpc>
+              <a:spcAft>
+                <a:spcPts val="800"/>
+              </a:spcAft>
+            </a:pPr>
+            <a:r>
+              <a:rPr lang="en-US" sz="1600" dirty="0">
+                <a:effectLst/>
+                <a:latin typeface="Futura Medium" panose="020B0602020204020303"/>
+                <a:ea typeface="Calibri" panose="020F0502020204030204" pitchFamily="34" charset="0"/>
+              </a:rPr>
+              <a:t>A mutation can invalidate specific cached data based on the tags. Doing so determines which cached data will be either </a:t>
+            </a:r>
+            <a:r>
+              <a:rPr lang="en-US" sz="1600" dirty="0" err="1">
+                <a:effectLst/>
+                <a:latin typeface="Futura Medium" panose="020B0602020204020303"/>
+                <a:ea typeface="Calibri" panose="020F0502020204030204" pitchFamily="34" charset="0"/>
+              </a:rPr>
+              <a:t>refetched</a:t>
+            </a:r>
+            <a:r>
+              <a:rPr lang="en-US" sz="1600" dirty="0">
+                <a:effectLst/>
+                <a:latin typeface="Futura Medium" panose="020B0602020204020303"/>
+                <a:ea typeface="Calibri" panose="020F0502020204030204" pitchFamily="34" charset="0"/>
+              </a:rPr>
+              <a:t> or removed from the cache.</a:t>
+            </a:r>
+          </a:p>
+        </p:txBody>
+      </p:sp>
+    </p:spTree>
+    <p:extLst>
+      <p:ext uri="{BB962C8B-B14F-4D97-AF65-F5344CB8AC3E}">
+        <p14:creationId xmlns:p14="http://schemas.microsoft.com/office/powerpoint/2010/main" val="841187391"/>
+      </p:ext>
+    </p:extLst>
+  </p:cSld>
+  <p:clrMapOvr>
+    <a:masterClrMapping/>
+  </p:clrMapOvr>
+</p:sld>
+</file>
+
+<file path=ppt/slides/slide17.xml><?xml version="1.0" encoding="utf-8"?>
+<p:sld xmlns:a="http://schemas.openxmlformats.org/drawingml/2006/main" xmlns:r="http://schemas.openxmlformats.org/officeDocument/2006/relationships" xmlns:p="http://schemas.openxmlformats.org/presentationml/2006/main">
+  <p:cSld>
+    <p:spTree>
+      <p:nvGrpSpPr>
+        <p:cNvPr id="1" name=""/>
+        <p:cNvGrpSpPr/>
+        <p:nvPr/>
+      </p:nvGrpSpPr>
+      <p:grpSpPr>
+        <a:xfrm>
+          <a:off x="0" y="0"/>
+          <a:ext cx="0" cy="0"/>
+          <a:chOff x="0" y="0"/>
+          <a:chExt cx="0" cy="0"/>
+        </a:xfrm>
+      </p:grpSpPr>
+      <p:sp>
+        <p:nvSpPr>
+          <p:cNvPr id="2" name="Text Placeholder 1">
+            <a:extLst>
+              <a:ext uri="{FF2B5EF4-FFF2-40B4-BE49-F238E27FC236}">
+                <a16:creationId xmlns:a16="http://schemas.microsoft.com/office/drawing/2014/main" id="{54BC5037-2642-418B-B1A6-547135EC0BDD}"/>
+              </a:ext>
+            </a:extLst>
+          </p:cNvPr>
+          <p:cNvSpPr>
+            <a:spLocks noGrp="1"/>
+          </p:cNvSpPr>
+          <p:nvPr>
+            <p:ph type="body" sz="quarter" idx="10"/>
+          </p:nvPr>
+        </p:nvSpPr>
+        <p:spPr/>
+        <p:txBody>
+          <a:bodyPr/>
+          <a:lstStyle/>
+          <a:p>
+            <a:r>
+              <a:rPr lang="en-US" dirty="0"/>
+              <a:t>Basic Usage (</a:t>
+            </a:r>
+            <a:r>
+              <a:rPr lang="en-US" dirty="0" err="1"/>
+              <a:t>Cont</a:t>
+            </a:r>
+            <a:r>
+              <a:rPr lang="en-US" dirty="0"/>
+              <a:t>…)</a:t>
+            </a:r>
+            <a:endParaRPr lang="en-GB" dirty="0"/>
+          </a:p>
+        </p:txBody>
+      </p:sp>
+      <p:sp>
+        <p:nvSpPr>
+          <p:cNvPr id="4" name="TextBox 3">
+            <a:extLst>
+              <a:ext uri="{FF2B5EF4-FFF2-40B4-BE49-F238E27FC236}">
+                <a16:creationId xmlns:a16="http://schemas.microsoft.com/office/drawing/2014/main" id="{C9D3D00F-88A4-C1FA-3DA2-22483E7234C2}"/>
+              </a:ext>
+            </a:extLst>
+          </p:cNvPr>
+          <p:cNvSpPr txBox="1"/>
+          <p:nvPr/>
+        </p:nvSpPr>
+        <p:spPr>
+          <a:xfrm>
+            <a:off x="515982" y="1064419"/>
+            <a:ext cx="11031584" cy="3446969"/>
+          </a:xfrm>
+          <a:prstGeom prst="rect">
+            <a:avLst/>
+          </a:prstGeom>
+          <a:noFill/>
+        </p:spPr>
+        <p:txBody>
+          <a:bodyPr wrap="square">
+            <a:spAutoFit/>
+          </a:bodyPr>
+          <a:lstStyle/>
+          <a:p>
+            <a:pPr algn="just">
+              <a:lnSpc>
+                <a:spcPct val="115000"/>
+              </a:lnSpc>
+              <a:spcAft>
+                <a:spcPts val="800"/>
+              </a:spcAft>
+            </a:pPr>
+            <a:r>
+              <a:rPr lang="en-IN" sz="1800" b="1" dirty="0">
+                <a:solidFill>
+                  <a:schemeClr val="accent1"/>
+                </a:solidFill>
+                <a:effectLst/>
+                <a:latin typeface="Futura Medium" panose="020B0602020204020303"/>
+                <a:ea typeface="Calibri" panose="020F0502020204030204" pitchFamily="34" charset="0"/>
+              </a:rPr>
+              <a:t>Step 7: </a:t>
+            </a:r>
+            <a:r>
+              <a:rPr lang="en-US" sz="1800" b="1" dirty="0">
+                <a:solidFill>
+                  <a:schemeClr val="accent1"/>
+                </a:solidFill>
+                <a:effectLst/>
+                <a:latin typeface="Futura Medium" panose="020B0602020204020303"/>
+                <a:ea typeface="Calibri" panose="020F0502020204030204" pitchFamily="34" charset="0"/>
+              </a:rPr>
+              <a:t>Transform Response</a:t>
+            </a:r>
+          </a:p>
+          <a:p>
+            <a:pPr marL="285750" indent="-285750" algn="just">
+              <a:lnSpc>
+                <a:spcPct val="115000"/>
+              </a:lnSpc>
+              <a:spcAft>
+                <a:spcPts val="800"/>
+              </a:spcAft>
+              <a:buFont typeface="Arial" panose="020B0604020202020204" pitchFamily="34" charset="0"/>
+              <a:buChar char="•"/>
+            </a:pPr>
+            <a:r>
+              <a:rPr lang="en-US" sz="1600" dirty="0">
+                <a:latin typeface="Futura Medium" panose="020B0602020204020303"/>
+                <a:ea typeface="Calibri" panose="020F0502020204030204" pitchFamily="34" charset="0"/>
+              </a:rPr>
+              <a:t>In RTK Query, the </a:t>
+            </a:r>
+            <a:r>
+              <a:rPr lang="en-US" sz="1600" dirty="0" err="1">
+                <a:latin typeface="Futura Medium" panose="020B0602020204020303"/>
+                <a:ea typeface="Calibri" panose="020F0502020204030204" pitchFamily="34" charset="0"/>
+              </a:rPr>
+              <a:t>transformResponse</a:t>
+            </a:r>
+            <a:r>
+              <a:rPr lang="en-US" sz="1600" dirty="0">
+                <a:latin typeface="Futura Medium" panose="020B0602020204020303"/>
+                <a:ea typeface="Calibri" panose="020F0502020204030204" pitchFamily="34" charset="0"/>
+              </a:rPr>
+              <a:t> option is used to manipulate the response received from an API , before it is used or stored in the Redux store. This can be useful for extracting specific data or headers from the response and performing any necessary transformations.</a:t>
+            </a:r>
+          </a:p>
+          <a:p>
+            <a:pPr marL="285750" indent="-285750" algn="just">
+              <a:lnSpc>
+                <a:spcPct val="115000"/>
+              </a:lnSpc>
+              <a:spcAft>
+                <a:spcPts val="800"/>
+              </a:spcAft>
+              <a:buFont typeface="Arial" panose="020B0604020202020204" pitchFamily="34" charset="0"/>
+              <a:buChar char="•"/>
+            </a:pPr>
+            <a:r>
+              <a:rPr lang="en-US" sz="1600" dirty="0">
+                <a:latin typeface="Futura Medium" panose="020B0602020204020303"/>
+                <a:ea typeface="Calibri" panose="020F0502020204030204" pitchFamily="34" charset="0"/>
+              </a:rPr>
+              <a:t>The “</a:t>
+            </a:r>
+            <a:r>
+              <a:rPr lang="en-US" sz="1600" dirty="0" err="1">
+                <a:latin typeface="Futura Medium" panose="020B0602020204020303"/>
+                <a:ea typeface="Calibri" panose="020F0502020204030204" pitchFamily="34" charset="0"/>
+              </a:rPr>
+              <a:t>transformResponse</a:t>
+            </a:r>
+            <a:r>
+              <a:rPr lang="en-US" sz="1600" dirty="0">
+                <a:latin typeface="Futura Medium" panose="020B0602020204020303"/>
+                <a:ea typeface="Calibri" panose="020F0502020204030204" pitchFamily="34" charset="0"/>
+              </a:rPr>
+              <a:t>” takes 3 parameter –</a:t>
+            </a:r>
+          </a:p>
+          <a:p>
+            <a:pPr marL="269875" algn="just">
+              <a:lnSpc>
+                <a:spcPct val="115000"/>
+              </a:lnSpc>
+              <a:spcAft>
+                <a:spcPts val="800"/>
+              </a:spcAft>
+            </a:pPr>
+            <a:r>
+              <a:rPr lang="en-US" sz="1600" b="1" dirty="0">
+                <a:latin typeface="Futura Medium" panose="020B0602020204020303"/>
+                <a:ea typeface="Calibri" panose="020F0502020204030204" pitchFamily="34" charset="0"/>
+              </a:rPr>
+              <a:t>response</a:t>
+            </a:r>
+            <a:r>
+              <a:rPr lang="en-US" sz="1600" dirty="0">
+                <a:latin typeface="Futura Medium" panose="020B0602020204020303"/>
+                <a:ea typeface="Calibri" panose="020F0502020204030204" pitchFamily="34" charset="0"/>
+              </a:rPr>
+              <a:t> – This contain the raw API response. It includes the response body and header.</a:t>
+            </a:r>
+          </a:p>
+          <a:p>
+            <a:pPr marL="269875" algn="just">
+              <a:lnSpc>
+                <a:spcPct val="115000"/>
+              </a:lnSpc>
+              <a:spcAft>
+                <a:spcPts val="800"/>
+              </a:spcAft>
+            </a:pPr>
+            <a:r>
+              <a:rPr lang="en-US" sz="1600" b="1" dirty="0">
+                <a:latin typeface="Futura Medium" panose="020B0602020204020303"/>
+                <a:ea typeface="Calibri" panose="020F0502020204030204" pitchFamily="34" charset="0"/>
+              </a:rPr>
+              <a:t>meta</a:t>
+            </a:r>
+            <a:r>
+              <a:rPr lang="en-US" sz="1600" dirty="0">
+                <a:latin typeface="Futura Medium" panose="020B0602020204020303"/>
+                <a:ea typeface="Calibri" panose="020F0502020204030204" pitchFamily="34" charset="0"/>
+              </a:rPr>
+              <a:t> – It is an object that container details about metadata of request ,response and other related information.</a:t>
+            </a:r>
+          </a:p>
+          <a:p>
+            <a:pPr marL="269875" algn="just">
+              <a:lnSpc>
+                <a:spcPct val="115000"/>
+              </a:lnSpc>
+              <a:spcAft>
+                <a:spcPts val="800"/>
+              </a:spcAft>
+            </a:pPr>
+            <a:r>
+              <a:rPr lang="en-US" sz="1600" b="1" dirty="0" err="1">
+                <a:latin typeface="Futura Medium" panose="020B0602020204020303"/>
+                <a:ea typeface="Calibri" panose="020F0502020204030204" pitchFamily="34" charset="0"/>
+              </a:rPr>
+              <a:t>args</a:t>
+            </a:r>
+            <a:r>
+              <a:rPr lang="en-US" sz="1600" dirty="0">
+                <a:latin typeface="Futura Medium" panose="020B0602020204020303"/>
+                <a:ea typeface="Calibri" panose="020F0502020204030204" pitchFamily="34" charset="0"/>
+              </a:rPr>
+              <a:t> – It contains the argument object that was passed in the query hook when it was dispatched. It if often used to filter the data or manipulated the response.</a:t>
+            </a:r>
+            <a:endParaRPr lang="en-IN" sz="1600" dirty="0">
+              <a:latin typeface="Futura Medium" panose="020B0602020204020303"/>
+              <a:ea typeface="Calibri" panose="020F0502020204030204" pitchFamily="34" charset="0"/>
+            </a:endParaRPr>
+          </a:p>
+        </p:txBody>
+      </p:sp>
+    </p:spTree>
+    <p:extLst>
+      <p:ext uri="{BB962C8B-B14F-4D97-AF65-F5344CB8AC3E}">
+        <p14:creationId xmlns:p14="http://schemas.microsoft.com/office/powerpoint/2010/main" val="2740211438"/>
+      </p:ext>
+    </p:extLst>
+  </p:cSld>
+  <p:clrMapOvr>
+    <a:masterClrMapping/>
+  </p:clrMapOvr>
+</p:sld>
+</file>
+
+<file path=ppt/slides/slide18.xml><?xml version="1.0" encoding="utf-8"?>
+<p:sld xmlns:a="http://schemas.openxmlformats.org/drawingml/2006/main" xmlns:r="http://schemas.openxmlformats.org/officeDocument/2006/relationships" xmlns:p="http://schemas.openxmlformats.org/presentationml/2006/main">
+  <p:cSld>
+    <p:spTree>
+      <p:nvGrpSpPr>
+        <p:cNvPr id="1" name=""/>
+        <p:cNvGrpSpPr/>
+        <p:nvPr/>
+      </p:nvGrpSpPr>
+      <p:grpSpPr>
+        <a:xfrm>
+          <a:off x="0" y="0"/>
+          <a:ext cx="0" cy="0"/>
+          <a:chOff x="0" y="0"/>
+          <a:chExt cx="0" cy="0"/>
+        </a:xfrm>
+      </p:grpSpPr>
+      <p:sp>
+        <p:nvSpPr>
+          <p:cNvPr id="2" name="Text Placeholder 1">
+            <a:extLst>
+              <a:ext uri="{FF2B5EF4-FFF2-40B4-BE49-F238E27FC236}">
                 <a16:creationId xmlns:a16="http://schemas.microsoft.com/office/drawing/2014/main" id="{E970B854-4F0D-436B-85E9-EE54FF53E4F7}"/>
               </a:ext>
             </a:extLst>
@@ -5669,7 +7765,7 @@
 </p:sld>
 </file>
 
-<file path=ppt/slides/slide13.xml><?xml version="1.0" encoding="utf-8"?>
+<file path=ppt/slides/slide19.xml><?xml version="1.0" encoding="utf-8"?>
 <p:sld xmlns:a="http://schemas.openxmlformats.org/drawingml/2006/main" xmlns:r="http://schemas.openxmlformats.org/officeDocument/2006/relationships" xmlns:p="http://schemas.openxmlformats.org/presentationml/2006/main">
   <p:cSld>
     <p:spTree>
@@ -5765,322 +7861,6 @@
     <p:extLst>
       <p:ext uri="{BB962C8B-B14F-4D97-AF65-F5344CB8AC3E}">
         <p14:creationId xmlns:p14="http://schemas.microsoft.com/office/powerpoint/2010/main" val="808639233"/>
-      </p:ext>
-    </p:extLst>
-  </p:cSld>
-  <p:clrMapOvr>
-    <a:masterClrMapping/>
-  </p:clrMapOvr>
-</p:sld>
-</file>
-
-<file path=ppt/slides/slide14.xml><?xml version="1.0" encoding="utf-8"?>
-<p:sld xmlns:a="http://schemas.openxmlformats.org/drawingml/2006/main" xmlns:r="http://schemas.openxmlformats.org/officeDocument/2006/relationships" xmlns:p="http://schemas.openxmlformats.org/presentationml/2006/main">
-  <p:cSld>
-    <p:spTree>
-      <p:nvGrpSpPr>
-        <p:cNvPr id="1" name=""/>
-        <p:cNvGrpSpPr/>
-        <p:nvPr/>
-      </p:nvGrpSpPr>
-      <p:grpSpPr>
-        <a:xfrm>
-          <a:off x="0" y="0"/>
-          <a:ext cx="0" cy="0"/>
-          <a:chOff x="0" y="0"/>
-          <a:chExt cx="0" cy="0"/>
-        </a:xfrm>
-      </p:grpSpPr>
-      <p:sp>
-        <p:nvSpPr>
-          <p:cNvPr id="2" name="Text Placeholder 1">
-            <a:extLst>
-              <a:ext uri="{FF2B5EF4-FFF2-40B4-BE49-F238E27FC236}">
-                <a16:creationId xmlns:a16="http://schemas.microsoft.com/office/drawing/2014/main" id="{E970B854-4F0D-436B-85E9-EE54FF53E4F7}"/>
-              </a:ext>
-            </a:extLst>
-          </p:cNvPr>
-          <p:cNvSpPr>
-            <a:spLocks noGrp="1"/>
-          </p:cNvSpPr>
-          <p:nvPr>
-            <p:ph type="body" sz="quarter" idx="10"/>
-          </p:nvPr>
-        </p:nvSpPr>
-        <p:spPr/>
-        <p:txBody>
-          <a:bodyPr/>
-          <a:lstStyle/>
-          <a:p>
-            <a:r>
-              <a:rPr lang="en-IN" dirty="0"/>
-              <a:t>08</a:t>
-            </a:r>
-          </a:p>
-        </p:txBody>
-      </p:sp>
-      <p:sp>
-        <p:nvSpPr>
-          <p:cNvPr id="6" name="Text Placeholder 5">
-            <a:extLst>
-              <a:ext uri="{FF2B5EF4-FFF2-40B4-BE49-F238E27FC236}">
-                <a16:creationId xmlns:a16="http://schemas.microsoft.com/office/drawing/2014/main" id="{ACACB4BC-AE6E-496C-8FB6-203F264C7E7B}"/>
-              </a:ext>
-            </a:extLst>
-          </p:cNvPr>
-          <p:cNvSpPr>
-            <a:spLocks noGrp="1"/>
-          </p:cNvSpPr>
-          <p:nvPr>
-            <p:ph type="body" sz="quarter" idx="11"/>
-          </p:nvPr>
-        </p:nvSpPr>
-        <p:spPr/>
-        <p:txBody>
-          <a:bodyPr/>
-          <a:lstStyle/>
-          <a:p>
-            <a:r>
-              <a:rPr lang="en-US" dirty="0"/>
-              <a:t>References</a:t>
-            </a:r>
-          </a:p>
-        </p:txBody>
-      </p:sp>
-    </p:spTree>
-    <p:extLst>
-      <p:ext uri="{BB962C8B-B14F-4D97-AF65-F5344CB8AC3E}">
-        <p14:creationId xmlns:p14="http://schemas.microsoft.com/office/powerpoint/2010/main" val="71091872"/>
-      </p:ext>
-    </p:extLst>
-  </p:cSld>
-  <p:clrMapOvr>
-    <a:masterClrMapping/>
-  </p:clrMapOvr>
-</p:sld>
-</file>
-
-<file path=ppt/slides/slide15.xml><?xml version="1.0" encoding="utf-8"?>
-<p:sld xmlns:a="http://schemas.openxmlformats.org/drawingml/2006/main" xmlns:r="http://schemas.openxmlformats.org/officeDocument/2006/relationships" xmlns:p="http://schemas.openxmlformats.org/presentationml/2006/main">
-  <p:cSld>
-    <p:spTree>
-      <p:nvGrpSpPr>
-        <p:cNvPr id="1" name=""/>
-        <p:cNvGrpSpPr/>
-        <p:nvPr/>
-      </p:nvGrpSpPr>
-      <p:grpSpPr>
-        <a:xfrm>
-          <a:off x="0" y="0"/>
-          <a:ext cx="0" cy="0"/>
-          <a:chOff x="0" y="0"/>
-          <a:chExt cx="0" cy="0"/>
-        </a:xfrm>
-      </p:grpSpPr>
-      <p:sp>
-        <p:nvSpPr>
-          <p:cNvPr id="2" name="Text Placeholder 1">
-            <a:extLst>
-              <a:ext uri="{FF2B5EF4-FFF2-40B4-BE49-F238E27FC236}">
-                <a16:creationId xmlns:a16="http://schemas.microsoft.com/office/drawing/2014/main" id="{0787111D-4949-E32B-0050-7A2E67FDA605}"/>
-              </a:ext>
-            </a:extLst>
-          </p:cNvPr>
-          <p:cNvSpPr>
-            <a:spLocks noGrp="1"/>
-          </p:cNvSpPr>
-          <p:nvPr>
-            <p:ph type="body" sz="quarter" idx="10"/>
-          </p:nvPr>
-        </p:nvSpPr>
-        <p:spPr/>
-        <p:txBody>
-          <a:bodyPr vert="horz" lIns="91440" tIns="45720" rIns="91440" bIns="45720" rtlCol="0" anchor="t">
-            <a:normAutofit/>
-          </a:bodyPr>
-          <a:lstStyle/>
-          <a:p>
-            <a:pPr algn="just"/>
-            <a:r>
-              <a:rPr lang="en-IN" dirty="0"/>
-              <a:t>Refences</a:t>
-            </a:r>
-            <a:endParaRPr lang="en-US" dirty="0"/>
-          </a:p>
-        </p:txBody>
-      </p:sp>
-      <p:sp>
-        <p:nvSpPr>
-          <p:cNvPr id="3" name="Text Placeholder 2">
-            <a:extLst>
-              <a:ext uri="{FF2B5EF4-FFF2-40B4-BE49-F238E27FC236}">
-                <a16:creationId xmlns:a16="http://schemas.microsoft.com/office/drawing/2014/main" id="{8A4259C2-C7F3-7B49-43B3-295765772EF5}"/>
-              </a:ext>
-            </a:extLst>
-          </p:cNvPr>
-          <p:cNvSpPr>
-            <a:spLocks noGrp="1"/>
-          </p:cNvSpPr>
-          <p:nvPr>
-            <p:ph type="body" sz="quarter" idx="11"/>
-          </p:nvPr>
-        </p:nvSpPr>
-        <p:spPr>
-          <a:xfrm>
-            <a:off x="393599" y="785005"/>
-            <a:ext cx="10802772" cy="5469707"/>
-          </a:xfrm>
-        </p:spPr>
-        <p:txBody>
-          <a:bodyPr vert="horz" lIns="91440" tIns="45720" rIns="91440" bIns="45720" rtlCol="0" anchor="t">
-            <a:normAutofit/>
-          </a:bodyPr>
-          <a:lstStyle/>
-          <a:p>
-            <a:pPr marL="228600" indent="-228600" algn="just">
-              <a:buFont typeface="Arial" panose="020B0604020202020204" pitchFamily="34" charset="0"/>
-              <a:buAutoNum type="arabicPeriod"/>
-            </a:pPr>
-            <a:endParaRPr lang="en-IN" sz="1100" dirty="0"/>
-          </a:p>
-          <a:p>
-            <a:pPr marL="228600" indent="-228600" algn="just">
-              <a:buFont typeface="Arial" panose="020B0604020202020204" pitchFamily="34" charset="0"/>
-              <a:buAutoNum type="arabicPeriod"/>
-            </a:pPr>
-            <a:r>
-              <a:rPr lang="en-IN" sz="1800" dirty="0">
-                <a:hlinkClick r:id="rId2"/>
-              </a:rPr>
-              <a:t>https://redux-toolkit.js.org/rtk-query/overview</a:t>
-            </a:r>
-          </a:p>
-          <a:p>
-            <a:pPr marL="228600" indent="-228600" algn="just">
-              <a:buFont typeface="Arial" panose="020B0604020202020204" pitchFamily="34" charset="0"/>
-              <a:buAutoNum type="arabicPeriod"/>
-            </a:pPr>
-            <a:r>
-              <a:rPr lang="en-IN" sz="1800" dirty="0">
-                <a:hlinkClick r:id="rId3"/>
-              </a:rPr>
-              <a:t>https://whataboutcoding.com/rtk-query-toolkit/</a:t>
-            </a:r>
-            <a:endParaRPr lang="en-IN" sz="1800" dirty="0"/>
-          </a:p>
-          <a:p>
-            <a:pPr algn="just"/>
-            <a:endParaRPr lang="en-IN" sz="1100" dirty="0"/>
-          </a:p>
-        </p:txBody>
-      </p:sp>
-    </p:spTree>
-    <p:extLst>
-      <p:ext uri="{BB962C8B-B14F-4D97-AF65-F5344CB8AC3E}">
-        <p14:creationId xmlns:p14="http://schemas.microsoft.com/office/powerpoint/2010/main" val="1958142751"/>
-      </p:ext>
-    </p:extLst>
-  </p:cSld>
-  <p:clrMapOvr>
-    <a:masterClrMapping/>
-  </p:clrMapOvr>
-</p:sld>
-</file>
-
-<file path=ppt/slides/slide16.xml><?xml version="1.0" encoding="utf-8"?>
-<p:sld xmlns:a="http://schemas.openxmlformats.org/drawingml/2006/main" xmlns:r="http://schemas.openxmlformats.org/officeDocument/2006/relationships" xmlns:p="http://schemas.openxmlformats.org/presentationml/2006/main">
-  <p:cSld>
-    <p:spTree>
-      <p:nvGrpSpPr>
-        <p:cNvPr id="1" name=""/>
-        <p:cNvGrpSpPr/>
-        <p:nvPr/>
-      </p:nvGrpSpPr>
-      <p:grpSpPr>
-        <a:xfrm>
-          <a:off x="0" y="0"/>
-          <a:ext cx="0" cy="0"/>
-          <a:chOff x="0" y="0"/>
-          <a:chExt cx="0" cy="0"/>
-        </a:xfrm>
-      </p:grpSpPr>
-      <p:sp>
-        <p:nvSpPr>
-          <p:cNvPr id="2" name="Text Placeholder 1">
-            <a:extLst>
-              <a:ext uri="{FF2B5EF4-FFF2-40B4-BE49-F238E27FC236}">
-                <a16:creationId xmlns:a16="http://schemas.microsoft.com/office/drawing/2014/main" id="{392C0716-DAD9-D515-0050-33769C8D5461}"/>
-              </a:ext>
-            </a:extLst>
-          </p:cNvPr>
-          <p:cNvSpPr>
-            <a:spLocks noGrp="1"/>
-          </p:cNvSpPr>
-          <p:nvPr>
-            <p:ph type="body" sz="quarter" idx="10"/>
-          </p:nvPr>
-        </p:nvSpPr>
-        <p:spPr>
-          <a:xfrm>
-            <a:off x="3612788" y="2783498"/>
-            <a:ext cx="4303661" cy="460744"/>
-          </a:xfrm>
-        </p:spPr>
-        <p:txBody>
-          <a:bodyPr>
-            <a:noAutofit/>
-          </a:bodyPr>
-          <a:lstStyle/>
-          <a:p>
-            <a:pPr algn="ctr"/>
-            <a:r>
-              <a:rPr lang="en-US" sz="6000" dirty="0"/>
-              <a:t>Thank You</a:t>
-            </a:r>
-          </a:p>
-        </p:txBody>
-      </p:sp>
-      <p:sp>
-        <p:nvSpPr>
-          <p:cNvPr id="3" name="Text Placeholder 2">
-            <a:extLst>
-              <a:ext uri="{FF2B5EF4-FFF2-40B4-BE49-F238E27FC236}">
-                <a16:creationId xmlns:a16="http://schemas.microsoft.com/office/drawing/2014/main" id="{BB29C043-9A23-2E91-953F-88E2FE012527}"/>
-              </a:ext>
-            </a:extLst>
-          </p:cNvPr>
-          <p:cNvSpPr>
-            <a:spLocks noGrp="1"/>
-          </p:cNvSpPr>
-          <p:nvPr>
-            <p:ph type="body" sz="quarter" idx="11"/>
-          </p:nvPr>
-        </p:nvSpPr>
-        <p:spPr/>
-        <p:txBody>
-          <a:bodyPr/>
-          <a:lstStyle/>
-          <a:p>
-            <a:endParaRPr lang="en-US" dirty="0"/>
-          </a:p>
-          <a:p>
-            <a:endParaRPr lang="en-US" dirty="0"/>
-          </a:p>
-          <a:p>
-            <a:endParaRPr lang="en-US" dirty="0"/>
-          </a:p>
-          <a:p>
-            <a:endParaRPr lang="en-US" dirty="0"/>
-          </a:p>
-          <a:p>
-            <a:endParaRPr lang="en-US" dirty="0"/>
-          </a:p>
-        </p:txBody>
-      </p:sp>
-    </p:spTree>
-    <p:extLst>
-      <p:ext uri="{BB962C8B-B14F-4D97-AF65-F5344CB8AC3E}">
-        <p14:creationId xmlns:p14="http://schemas.microsoft.com/office/powerpoint/2010/main" val="516539361"/>
       </p:ext>
     </p:extLst>
   </p:cSld>
@@ -6403,6 +8183,322 @@
     <p:extLst>
       <p:ext uri="{BB962C8B-B14F-4D97-AF65-F5344CB8AC3E}">
         <p14:creationId xmlns:p14="http://schemas.microsoft.com/office/powerpoint/2010/main" val="2825442332"/>
+      </p:ext>
+    </p:extLst>
+  </p:cSld>
+  <p:clrMapOvr>
+    <a:masterClrMapping/>
+  </p:clrMapOvr>
+</p:sld>
+</file>
+
+<file path=ppt/slides/slide20.xml><?xml version="1.0" encoding="utf-8"?>
+<p:sld xmlns:a="http://schemas.openxmlformats.org/drawingml/2006/main" xmlns:r="http://schemas.openxmlformats.org/officeDocument/2006/relationships" xmlns:p="http://schemas.openxmlformats.org/presentationml/2006/main">
+  <p:cSld>
+    <p:spTree>
+      <p:nvGrpSpPr>
+        <p:cNvPr id="1" name=""/>
+        <p:cNvGrpSpPr/>
+        <p:nvPr/>
+      </p:nvGrpSpPr>
+      <p:grpSpPr>
+        <a:xfrm>
+          <a:off x="0" y="0"/>
+          <a:ext cx="0" cy="0"/>
+          <a:chOff x="0" y="0"/>
+          <a:chExt cx="0" cy="0"/>
+        </a:xfrm>
+      </p:grpSpPr>
+      <p:sp>
+        <p:nvSpPr>
+          <p:cNvPr id="2" name="Text Placeholder 1">
+            <a:extLst>
+              <a:ext uri="{FF2B5EF4-FFF2-40B4-BE49-F238E27FC236}">
+                <a16:creationId xmlns:a16="http://schemas.microsoft.com/office/drawing/2014/main" id="{E970B854-4F0D-436B-85E9-EE54FF53E4F7}"/>
+              </a:ext>
+            </a:extLst>
+          </p:cNvPr>
+          <p:cNvSpPr>
+            <a:spLocks noGrp="1"/>
+          </p:cNvSpPr>
+          <p:nvPr>
+            <p:ph type="body" sz="quarter" idx="10"/>
+          </p:nvPr>
+        </p:nvSpPr>
+        <p:spPr/>
+        <p:txBody>
+          <a:bodyPr/>
+          <a:lstStyle/>
+          <a:p>
+            <a:r>
+              <a:rPr lang="en-IN" dirty="0"/>
+              <a:t>08</a:t>
+            </a:r>
+          </a:p>
+        </p:txBody>
+      </p:sp>
+      <p:sp>
+        <p:nvSpPr>
+          <p:cNvPr id="6" name="Text Placeholder 5">
+            <a:extLst>
+              <a:ext uri="{FF2B5EF4-FFF2-40B4-BE49-F238E27FC236}">
+                <a16:creationId xmlns:a16="http://schemas.microsoft.com/office/drawing/2014/main" id="{ACACB4BC-AE6E-496C-8FB6-203F264C7E7B}"/>
+              </a:ext>
+            </a:extLst>
+          </p:cNvPr>
+          <p:cNvSpPr>
+            <a:spLocks noGrp="1"/>
+          </p:cNvSpPr>
+          <p:nvPr>
+            <p:ph type="body" sz="quarter" idx="11"/>
+          </p:nvPr>
+        </p:nvSpPr>
+        <p:spPr/>
+        <p:txBody>
+          <a:bodyPr/>
+          <a:lstStyle/>
+          <a:p>
+            <a:r>
+              <a:rPr lang="en-US" dirty="0"/>
+              <a:t>References</a:t>
+            </a:r>
+          </a:p>
+        </p:txBody>
+      </p:sp>
+    </p:spTree>
+    <p:extLst>
+      <p:ext uri="{BB962C8B-B14F-4D97-AF65-F5344CB8AC3E}">
+        <p14:creationId xmlns:p14="http://schemas.microsoft.com/office/powerpoint/2010/main" val="71091872"/>
+      </p:ext>
+    </p:extLst>
+  </p:cSld>
+  <p:clrMapOvr>
+    <a:masterClrMapping/>
+  </p:clrMapOvr>
+</p:sld>
+</file>
+
+<file path=ppt/slides/slide21.xml><?xml version="1.0" encoding="utf-8"?>
+<p:sld xmlns:a="http://schemas.openxmlformats.org/drawingml/2006/main" xmlns:r="http://schemas.openxmlformats.org/officeDocument/2006/relationships" xmlns:p="http://schemas.openxmlformats.org/presentationml/2006/main">
+  <p:cSld>
+    <p:spTree>
+      <p:nvGrpSpPr>
+        <p:cNvPr id="1" name=""/>
+        <p:cNvGrpSpPr/>
+        <p:nvPr/>
+      </p:nvGrpSpPr>
+      <p:grpSpPr>
+        <a:xfrm>
+          <a:off x="0" y="0"/>
+          <a:ext cx="0" cy="0"/>
+          <a:chOff x="0" y="0"/>
+          <a:chExt cx="0" cy="0"/>
+        </a:xfrm>
+      </p:grpSpPr>
+      <p:sp>
+        <p:nvSpPr>
+          <p:cNvPr id="2" name="Text Placeholder 1">
+            <a:extLst>
+              <a:ext uri="{FF2B5EF4-FFF2-40B4-BE49-F238E27FC236}">
+                <a16:creationId xmlns:a16="http://schemas.microsoft.com/office/drawing/2014/main" id="{0787111D-4949-E32B-0050-7A2E67FDA605}"/>
+              </a:ext>
+            </a:extLst>
+          </p:cNvPr>
+          <p:cNvSpPr>
+            <a:spLocks noGrp="1"/>
+          </p:cNvSpPr>
+          <p:nvPr>
+            <p:ph type="body" sz="quarter" idx="10"/>
+          </p:nvPr>
+        </p:nvSpPr>
+        <p:spPr/>
+        <p:txBody>
+          <a:bodyPr vert="horz" lIns="91440" tIns="45720" rIns="91440" bIns="45720" rtlCol="0" anchor="t">
+            <a:normAutofit/>
+          </a:bodyPr>
+          <a:lstStyle/>
+          <a:p>
+            <a:pPr algn="just"/>
+            <a:r>
+              <a:rPr lang="en-IN" dirty="0"/>
+              <a:t>Refences</a:t>
+            </a:r>
+            <a:endParaRPr lang="en-US" dirty="0"/>
+          </a:p>
+        </p:txBody>
+      </p:sp>
+      <p:sp>
+        <p:nvSpPr>
+          <p:cNvPr id="3" name="Text Placeholder 2">
+            <a:extLst>
+              <a:ext uri="{FF2B5EF4-FFF2-40B4-BE49-F238E27FC236}">
+                <a16:creationId xmlns:a16="http://schemas.microsoft.com/office/drawing/2014/main" id="{8A4259C2-C7F3-7B49-43B3-295765772EF5}"/>
+              </a:ext>
+            </a:extLst>
+          </p:cNvPr>
+          <p:cNvSpPr>
+            <a:spLocks noGrp="1"/>
+          </p:cNvSpPr>
+          <p:nvPr>
+            <p:ph type="body" sz="quarter" idx="11"/>
+          </p:nvPr>
+        </p:nvSpPr>
+        <p:spPr>
+          <a:xfrm>
+            <a:off x="393599" y="785005"/>
+            <a:ext cx="10802772" cy="5469707"/>
+          </a:xfrm>
+        </p:spPr>
+        <p:txBody>
+          <a:bodyPr vert="horz" lIns="91440" tIns="45720" rIns="91440" bIns="45720" rtlCol="0" anchor="t">
+            <a:normAutofit/>
+          </a:bodyPr>
+          <a:lstStyle/>
+          <a:p>
+            <a:pPr marL="228600" indent="-228600" algn="just">
+              <a:buFont typeface="Arial" panose="020B0604020202020204" pitchFamily="34" charset="0"/>
+              <a:buAutoNum type="arabicPeriod"/>
+            </a:pPr>
+            <a:endParaRPr lang="en-IN" sz="1100" dirty="0"/>
+          </a:p>
+          <a:p>
+            <a:pPr marL="228600" indent="-228600" algn="just">
+              <a:buFont typeface="Arial" panose="020B0604020202020204" pitchFamily="34" charset="0"/>
+              <a:buAutoNum type="arabicPeriod"/>
+            </a:pPr>
+            <a:r>
+              <a:rPr lang="en-IN" sz="1800" dirty="0">
+                <a:hlinkClick r:id="rId2"/>
+              </a:rPr>
+              <a:t>https://redux-toolkit.js.org/rtk-query/overview</a:t>
+            </a:r>
+          </a:p>
+          <a:p>
+            <a:pPr marL="228600" indent="-228600" algn="just">
+              <a:buFont typeface="Arial" panose="020B0604020202020204" pitchFamily="34" charset="0"/>
+              <a:buAutoNum type="arabicPeriod"/>
+            </a:pPr>
+            <a:r>
+              <a:rPr lang="en-IN" sz="1800" dirty="0">
+                <a:hlinkClick r:id="rId3"/>
+              </a:rPr>
+              <a:t>https://whataboutcoding.com/rtk-query-toolkit/</a:t>
+            </a:r>
+            <a:endParaRPr lang="en-IN" sz="1800" dirty="0"/>
+          </a:p>
+          <a:p>
+            <a:pPr algn="just"/>
+            <a:endParaRPr lang="en-IN" sz="1100" dirty="0"/>
+          </a:p>
+        </p:txBody>
+      </p:sp>
+    </p:spTree>
+    <p:extLst>
+      <p:ext uri="{BB962C8B-B14F-4D97-AF65-F5344CB8AC3E}">
+        <p14:creationId xmlns:p14="http://schemas.microsoft.com/office/powerpoint/2010/main" val="1958142751"/>
+      </p:ext>
+    </p:extLst>
+  </p:cSld>
+  <p:clrMapOvr>
+    <a:masterClrMapping/>
+  </p:clrMapOvr>
+</p:sld>
+</file>
+
+<file path=ppt/slides/slide22.xml><?xml version="1.0" encoding="utf-8"?>
+<p:sld xmlns:a="http://schemas.openxmlformats.org/drawingml/2006/main" xmlns:r="http://schemas.openxmlformats.org/officeDocument/2006/relationships" xmlns:p="http://schemas.openxmlformats.org/presentationml/2006/main">
+  <p:cSld>
+    <p:spTree>
+      <p:nvGrpSpPr>
+        <p:cNvPr id="1" name=""/>
+        <p:cNvGrpSpPr/>
+        <p:nvPr/>
+      </p:nvGrpSpPr>
+      <p:grpSpPr>
+        <a:xfrm>
+          <a:off x="0" y="0"/>
+          <a:ext cx="0" cy="0"/>
+          <a:chOff x="0" y="0"/>
+          <a:chExt cx="0" cy="0"/>
+        </a:xfrm>
+      </p:grpSpPr>
+      <p:sp>
+        <p:nvSpPr>
+          <p:cNvPr id="2" name="Text Placeholder 1">
+            <a:extLst>
+              <a:ext uri="{FF2B5EF4-FFF2-40B4-BE49-F238E27FC236}">
+                <a16:creationId xmlns:a16="http://schemas.microsoft.com/office/drawing/2014/main" id="{392C0716-DAD9-D515-0050-33769C8D5461}"/>
+              </a:ext>
+            </a:extLst>
+          </p:cNvPr>
+          <p:cNvSpPr>
+            <a:spLocks noGrp="1"/>
+          </p:cNvSpPr>
+          <p:nvPr>
+            <p:ph type="body" sz="quarter" idx="10"/>
+          </p:nvPr>
+        </p:nvSpPr>
+        <p:spPr>
+          <a:xfrm>
+            <a:off x="3612788" y="2783498"/>
+            <a:ext cx="4303661" cy="460744"/>
+          </a:xfrm>
+        </p:spPr>
+        <p:txBody>
+          <a:bodyPr>
+            <a:noAutofit/>
+          </a:bodyPr>
+          <a:lstStyle/>
+          <a:p>
+            <a:pPr algn="ctr"/>
+            <a:r>
+              <a:rPr lang="en-US" sz="6000" dirty="0"/>
+              <a:t>Thank You</a:t>
+            </a:r>
+          </a:p>
+        </p:txBody>
+      </p:sp>
+      <p:sp>
+        <p:nvSpPr>
+          <p:cNvPr id="3" name="Text Placeholder 2">
+            <a:extLst>
+              <a:ext uri="{FF2B5EF4-FFF2-40B4-BE49-F238E27FC236}">
+                <a16:creationId xmlns:a16="http://schemas.microsoft.com/office/drawing/2014/main" id="{BB29C043-9A23-2E91-953F-88E2FE012527}"/>
+              </a:ext>
+            </a:extLst>
+          </p:cNvPr>
+          <p:cNvSpPr>
+            <a:spLocks noGrp="1"/>
+          </p:cNvSpPr>
+          <p:nvPr>
+            <p:ph type="body" sz="quarter" idx="11"/>
+          </p:nvPr>
+        </p:nvSpPr>
+        <p:spPr/>
+        <p:txBody>
+          <a:bodyPr/>
+          <a:lstStyle/>
+          <a:p>
+            <a:endParaRPr lang="en-US" dirty="0"/>
+          </a:p>
+          <a:p>
+            <a:endParaRPr lang="en-US" dirty="0"/>
+          </a:p>
+          <a:p>
+            <a:endParaRPr lang="en-US" dirty="0"/>
+          </a:p>
+          <a:p>
+            <a:endParaRPr lang="en-US" dirty="0"/>
+          </a:p>
+          <a:p>
+            <a:endParaRPr lang="en-US" dirty="0"/>
+          </a:p>
+        </p:txBody>
+      </p:sp>
+    </p:spTree>
+    <p:extLst>
+      <p:ext uri="{BB962C8B-B14F-4D97-AF65-F5344CB8AC3E}">
+        <p14:creationId xmlns:p14="http://schemas.microsoft.com/office/powerpoint/2010/main" val="516539361"/>
       </p:ext>
     </p:extLst>
   </p:cSld>
@@ -8291,27 +10387,6 @@
 </file>
 
 <file path=customXml/item1.xml><?xml version="1.0" encoding="utf-8"?>
-<p:properties xmlns:p="http://schemas.microsoft.com/office/2006/metadata/properties" xmlns:xsi="http://www.w3.org/2001/XMLSchema-instance" xmlns:pc="http://schemas.microsoft.com/office/infopath/2007/PartnerControls">
-  <documentManagement>
-    <_dlc_DocId xmlns="0bbaf54a-306d-4bf7-800a-b5bc9d8abf1a">1RIVET-362667854-26955</_dlc_DocId>
-    <_dlc_DocIdUrl xmlns="0bbaf54a-306d-4bf7-800a-b5bc9d8abf1a">
-      <Url>https://1rivet.sharepoint.com/1RU/Internship/_layouts/15/DocIdRedir.aspx?ID=1RIVET-362667854-26955</Url>
-      <Description>1RIVET-362667854-26955</Description>
-    </_dlc_DocIdUrl>
-    <SharedWithUsers xmlns="3f291122-9100-4f41-aa69-913c6d124812">
-      <UserInfo>
-        <DisplayName/>
-        <AccountId xsi:nil="true"/>
-        <AccountType/>
-      </UserInfo>
-    </SharedWithUsers>
-    <MediaLengthInSeconds xmlns="5f65c6ea-3f5c-46e6-bf84-78eef68b824e" xsi:nil="true"/>
-    <_dlc_DocIdPersistId xmlns="0bbaf54a-306d-4bf7-800a-b5bc9d8abf1a">false</_dlc_DocIdPersistId>
-  </documentManagement>
-</p:properties>
-</file>
-
-<file path=customXml/item2.xml><?xml version="1.0" encoding="utf-8"?>
 <?mso-contentType ?>
 <spe:Receivers xmlns:spe="http://schemas.microsoft.com/sharepoint/events">
   <Receiver>
@@ -8361,7 +10436,37 @@
 </spe:Receivers>
 </file>
 
+<file path=customXml/item2.xml><?xml version="1.0" encoding="utf-8"?>
+<p:properties xmlns:p="http://schemas.microsoft.com/office/2006/metadata/properties" xmlns:xsi="http://www.w3.org/2001/XMLSchema-instance" xmlns:pc="http://schemas.microsoft.com/office/infopath/2007/PartnerControls">
+  <documentManagement>
+    <_dlc_DocId xmlns="0bbaf54a-306d-4bf7-800a-b5bc9d8abf1a">1RIVET-362667854-26955</_dlc_DocId>
+    <_dlc_DocIdUrl xmlns="0bbaf54a-306d-4bf7-800a-b5bc9d8abf1a">
+      <Url>https://1rivet.sharepoint.com/1RU/Internship/_layouts/15/DocIdRedir.aspx?ID=1RIVET-362667854-26955</Url>
+      <Description>1RIVET-362667854-26955</Description>
+    </_dlc_DocIdUrl>
+    <SharedWithUsers xmlns="3f291122-9100-4f41-aa69-913c6d124812">
+      <UserInfo>
+        <DisplayName/>
+        <AccountId xsi:nil="true"/>
+        <AccountType/>
+      </UserInfo>
+    </SharedWithUsers>
+    <MediaLengthInSeconds xmlns="5f65c6ea-3f5c-46e6-bf84-78eef68b824e" xsi:nil="true"/>
+    <_dlc_DocIdPersistId xmlns="0bbaf54a-306d-4bf7-800a-b5bc9d8abf1a">false</_dlc_DocIdPersistId>
+  </documentManagement>
+</p:properties>
+</file>
+
 <file path=customXml/item3.xml><?xml version="1.0" encoding="utf-8"?>
+<?mso-contentType ?>
+<FormTemplates xmlns="http://schemas.microsoft.com/sharepoint/v3/contenttype/forms">
+  <Display>DocumentLibraryForm</Display>
+  <Edit>DocumentLibraryForm</Edit>
+  <New>DocumentLibraryForm</New>
+</FormTemplates>
+</file>
+
+<file path=customXml/item4.xml><?xml version="1.0" encoding="utf-8"?>
 <ct:contentTypeSchema xmlns:ct="http://schemas.microsoft.com/office/2006/metadata/contentType" xmlns:ma="http://schemas.microsoft.com/office/2006/metadata/properties/metaAttributes" ct:_="" ma:_="" ma:contentTypeName="Document" ma:contentTypeID="0x0101000EDF92B12FF35E4EA50CE0834A0F2298" ma:contentTypeVersion="13" ma:contentTypeDescription="Create a new document." ma:contentTypeScope="" ma:versionID="c2b2045dde1fd2cb246fc43a99a110c7">
   <xsd:schema xmlns:xsd="http://www.w3.org/2001/XMLSchema" xmlns:xs="http://www.w3.org/2001/XMLSchema" xmlns:p="http://schemas.microsoft.com/office/2006/metadata/properties" xmlns:ns2="5f65c6ea-3f5c-46e6-bf84-78eef68b824e" xmlns:ns3="3f291122-9100-4f41-aa69-913c6d124812" xmlns:ns4="0bbaf54a-306d-4bf7-800a-b5bc9d8abf1a" targetNamespace="http://schemas.microsoft.com/office/2006/metadata/properties" ma:root="true" ma:fieldsID="a00476ba1b8b10f57f9ea8be1be6abb6" ns2:_="" ns3:_="" ns4:_="">
     <xsd:import namespace="5f65c6ea-3f5c-46e6-bf84-78eef68b824e"/>
@@ -8614,16 +10719,15 @@
 </ct:contentTypeSchema>
 </file>
 
-<file path=customXml/item4.xml><?xml version="1.0" encoding="utf-8"?>
-<?mso-contentType ?>
-<FormTemplates xmlns="http://schemas.microsoft.com/sharepoint/v3/contenttype/forms">
-  <Display>DocumentLibraryForm</Display>
-  <Edit>DocumentLibraryForm</Edit>
-  <New>DocumentLibraryForm</New>
-</FormTemplates>
+<file path=customXml/itemProps1.xml><?xml version="1.0" encoding="utf-8"?>
+<ds:datastoreItem xmlns:ds="http://schemas.openxmlformats.org/officeDocument/2006/customXml" ds:itemID="{9ECDB1A9-6236-4A85-9991-9EC50EBE1E96}">
+  <ds:schemaRefs>
+    <ds:schemaRef ds:uri="http://schemas.microsoft.com/sharepoint/events"/>
+  </ds:schemaRefs>
+</ds:datastoreItem>
 </file>
 
-<file path=customXml/itemProps1.xml><?xml version="1.0" encoding="utf-8"?>
+<file path=customXml/itemProps2.xml><?xml version="1.0" encoding="utf-8"?>
 <ds:datastoreItem xmlns:ds="http://schemas.openxmlformats.org/officeDocument/2006/customXml" ds:itemID="{E9EE4282-A50A-4B77-A4C6-52F90E9FC286}">
   <ds:schemaRefs>
     <ds:schemaRef ds:uri="http://schemas.microsoft.com/office/2006/documentManagement/types"/>
@@ -8643,15 +10747,15 @@
 </ds:datastoreItem>
 </file>
 
-<file path=customXml/itemProps2.xml><?xml version="1.0" encoding="utf-8"?>
-<ds:datastoreItem xmlns:ds="http://schemas.openxmlformats.org/officeDocument/2006/customXml" ds:itemID="{9ECDB1A9-6236-4A85-9991-9EC50EBE1E96}">
+<file path=customXml/itemProps3.xml><?xml version="1.0" encoding="utf-8"?>
+<ds:datastoreItem xmlns:ds="http://schemas.openxmlformats.org/officeDocument/2006/customXml" ds:itemID="{DC02F2C4-3DF1-406D-9812-2DEFD8228F1F}">
   <ds:schemaRefs>
-    <ds:schemaRef ds:uri="http://schemas.microsoft.com/sharepoint/events"/>
+    <ds:schemaRef ds:uri="http://schemas.microsoft.com/sharepoint/v3/contenttype/forms"/>
   </ds:schemaRefs>
 </ds:datastoreItem>
 </file>
 
-<file path=customXml/itemProps3.xml><?xml version="1.0" encoding="utf-8"?>
+<file path=customXml/itemProps4.xml><?xml version="1.0" encoding="utf-8"?>
 <ds:datastoreItem xmlns:ds="http://schemas.openxmlformats.org/officeDocument/2006/customXml" ds:itemID="{E68F3267-0E3E-44DA-ACAF-3E28883E549B}">
   <ds:schemaRefs>
     <ds:schemaRef ds:uri="http://schemas.microsoft.com/office/2006/metadata/contentType"/>
@@ -8669,12 +10773,4 @@
     <ds:schemaRef ds:uri="http://schemas.microsoft.com/internal/obd"/>
   </ds:schemaRefs>
 </ds:datastoreItem>
-</file>
-
-<file path=customXml/itemProps4.xml><?xml version="1.0" encoding="utf-8"?>
-<ds:datastoreItem xmlns:ds="http://schemas.openxmlformats.org/officeDocument/2006/customXml" ds:itemID="{DC02F2C4-3DF1-406D-9812-2DEFD8228F1F}">
-  <ds:schemaRefs>
-    <ds:schemaRef ds:uri="http://schemas.microsoft.com/sharepoint/v3/contenttype/forms"/>
-  </ds:schemaRefs>
-</ds:datastoreItem>
 </file>